--- a/public/firststatement.pptx
+++ b/public/firststatement.pptx
@@ -227,7 +227,7 @@
           <a:p>
             <a:fld id="{DABCAC30-2E51-4C45-8867-A17818EC0A1D}" type="datetimeFigureOut">
               <a:rPr lang="fa-IR" smtClean="0"/>
-              <a:t>26/08/1447</a:t>
+              <a:t>27/08/1447</a:t>
             </a:fld>
             <a:endParaRPr lang="fa-IR"/>
           </a:p>
@@ -760,7 +760,7 @@
           <a:p>
             <a:fld id="{5BCAD085-E8A6-8845-BD4E-CB4CCA059FC4}" type="datetimeFigureOut">
               <a:rPr lang="en-US" smtClean="0"/>
-              <a:t>2/13/2026</a:t>
+              <a:t>2/14/2026</a:t>
             </a:fld>
             <a:endParaRPr lang="en-US"/>
           </a:p>
@@ -930,7 +930,7 @@
           <a:p>
             <a:fld id="{5BCAD085-E8A6-8845-BD4E-CB4CCA059FC4}" type="datetimeFigureOut">
               <a:rPr lang="en-US" smtClean="0"/>
-              <a:t>2/13/2026</a:t>
+              <a:t>2/14/2026</a:t>
             </a:fld>
             <a:endParaRPr lang="en-US"/>
           </a:p>
@@ -1110,7 +1110,7 @@
           <a:p>
             <a:fld id="{5BCAD085-E8A6-8845-BD4E-CB4CCA059FC4}" type="datetimeFigureOut">
               <a:rPr lang="en-US" smtClean="0"/>
-              <a:t>2/13/2026</a:t>
+              <a:t>2/14/2026</a:t>
             </a:fld>
             <a:endParaRPr lang="en-US"/>
           </a:p>
@@ -1280,7 +1280,7 @@
           <a:p>
             <a:fld id="{5BCAD085-E8A6-8845-BD4E-CB4CCA059FC4}" type="datetimeFigureOut">
               <a:rPr lang="en-US" smtClean="0"/>
-              <a:t>2/13/2026</a:t>
+              <a:t>2/14/2026</a:t>
             </a:fld>
             <a:endParaRPr lang="en-US"/>
           </a:p>
@@ -1526,7 +1526,7 @@
           <a:p>
             <a:fld id="{5BCAD085-E8A6-8845-BD4E-CB4CCA059FC4}" type="datetimeFigureOut">
               <a:rPr lang="en-US" smtClean="0"/>
-              <a:t>2/13/2026</a:t>
+              <a:t>2/14/2026</a:t>
             </a:fld>
             <a:endParaRPr lang="en-US"/>
           </a:p>
@@ -1814,7 +1814,7 @@
           <a:p>
             <a:fld id="{5BCAD085-E8A6-8845-BD4E-CB4CCA059FC4}" type="datetimeFigureOut">
               <a:rPr lang="en-US" smtClean="0"/>
-              <a:t>2/13/2026</a:t>
+              <a:t>2/14/2026</a:t>
             </a:fld>
             <a:endParaRPr lang="en-US"/>
           </a:p>
@@ -2236,7 +2236,7 @@
           <a:p>
             <a:fld id="{5BCAD085-E8A6-8845-BD4E-CB4CCA059FC4}" type="datetimeFigureOut">
               <a:rPr lang="en-US" smtClean="0"/>
-              <a:t>2/13/2026</a:t>
+              <a:t>2/14/2026</a:t>
             </a:fld>
             <a:endParaRPr lang="en-US"/>
           </a:p>
@@ -2354,7 +2354,7 @@
           <a:p>
             <a:fld id="{5BCAD085-E8A6-8845-BD4E-CB4CCA059FC4}" type="datetimeFigureOut">
               <a:rPr lang="en-US" smtClean="0"/>
-              <a:t>2/13/2026</a:t>
+              <a:t>2/14/2026</a:t>
             </a:fld>
             <a:endParaRPr lang="en-US"/>
           </a:p>
@@ -2449,7 +2449,7 @@
           <a:p>
             <a:fld id="{5BCAD085-E8A6-8845-BD4E-CB4CCA059FC4}" type="datetimeFigureOut">
               <a:rPr lang="en-US" smtClean="0"/>
-              <a:t>2/13/2026</a:t>
+              <a:t>2/14/2026</a:t>
             </a:fld>
             <a:endParaRPr lang="en-US"/>
           </a:p>
@@ -2726,7 +2726,7 @@
           <a:p>
             <a:fld id="{5BCAD085-E8A6-8845-BD4E-CB4CCA059FC4}" type="datetimeFigureOut">
               <a:rPr lang="en-US" smtClean="0"/>
-              <a:t>2/13/2026</a:t>
+              <a:t>2/14/2026</a:t>
             </a:fld>
             <a:endParaRPr lang="en-US"/>
           </a:p>
@@ -2979,7 +2979,7 @@
           <a:p>
             <a:fld id="{5BCAD085-E8A6-8845-BD4E-CB4CCA059FC4}" type="datetimeFigureOut">
               <a:rPr lang="en-US" smtClean="0"/>
-              <a:t>2/13/2026</a:t>
+              <a:t>2/14/2026</a:t>
             </a:fld>
             <a:endParaRPr lang="en-US"/>
           </a:p>
@@ -3192,7 +3192,7 @@
           <a:p>
             <a:fld id="{5BCAD085-E8A6-8845-BD4E-CB4CCA059FC4}" type="datetimeFigureOut">
               <a:rPr lang="en-US" smtClean="0"/>
-              <a:t>2/13/2026</a:t>
+              <a:t>2/14/2026</a:t>
             </a:fld>
             <a:endParaRPr lang="en-US"/>
           </a:p>
@@ -4358,7 +4358,7 @@
           </a:bodyPr>
           <a:lstStyle/>
           <a:p>
-            <a:pPr algn="r">
+            <a:pPr algn="just" rtl="1">
               <a:defRPr sz="1500">
                 <a:solidFill>
                   <a:srgbClr val="1A1A1A"/>
@@ -4502,8 +4502,8 @@
         </p:nvSpPr>
         <p:spPr>
           <a:xfrm>
-            <a:off x="1222658" y="2337514"/>
-            <a:ext cx="7498079" cy="461665"/>
+            <a:off x="1228200" y="2013525"/>
+            <a:ext cx="7498079" cy="1138773"/>
           </a:xfrm>
           <a:prstGeom prst="rect">
             <a:avLst/>
@@ -4516,7 +4516,7 @@
           </a:bodyPr>
           <a:lstStyle/>
           <a:p>
-            <a:pPr algn="r">
+            <a:pPr algn="just" rtl="1">
               <a:defRPr sz="1500">
                 <a:solidFill>
                   <a:srgbClr val="1A1A1A"/>
@@ -4532,202 +4532,69 @@
               <a:t>2. </a:t>
             </a:r>
             <a:r>
-              <a:rPr sz="2400" dirty="0" err="1" smtClean="0">
-                <a:latin typeface="Arabic Typesetting" panose="03020402040406030203" pitchFamily="66" charset="-78"/>
-                <a:cs typeface="Arabic Typesetting" panose="03020402040406030203" pitchFamily="66" charset="-78"/>
-              </a:rPr>
-              <a:t>ملی</a:t>
-            </a:r>
-            <a:r>
-              <a:rPr sz="2400" dirty="0" smtClean="0">
-                <a:latin typeface="Arabic Typesetting" panose="03020402040406030203" pitchFamily="66" charset="-78"/>
-                <a:cs typeface="Arabic Typesetting" panose="03020402040406030203" pitchFamily="66" charset="-78"/>
-              </a:rPr>
-              <a:t> </a:t>
-            </a:r>
-            <a:r>
-              <a:rPr sz="2400" dirty="0" err="1">
-                <a:latin typeface="Arabic Typesetting" panose="03020402040406030203" pitchFamily="66" charset="-78"/>
-                <a:cs typeface="Arabic Typesetting" panose="03020402040406030203" pitchFamily="66" charset="-78"/>
-              </a:rPr>
-              <a:t>شدن</a:t>
-            </a:r>
-            <a:r>
-              <a:rPr sz="2400" dirty="0">
-                <a:latin typeface="Arabic Typesetting" panose="03020402040406030203" pitchFamily="66" charset="-78"/>
-                <a:cs typeface="Arabic Typesetting" panose="03020402040406030203" pitchFamily="66" charset="-78"/>
-              </a:rPr>
-              <a:t> </a:t>
-            </a:r>
-            <a:r>
-              <a:rPr sz="2400" dirty="0" err="1">
-                <a:latin typeface="Arabic Typesetting" panose="03020402040406030203" pitchFamily="66" charset="-78"/>
-                <a:cs typeface="Arabic Typesetting" panose="03020402040406030203" pitchFamily="66" charset="-78"/>
-              </a:rPr>
-              <a:t>منابع</a:t>
-            </a:r>
-            <a:r>
-              <a:rPr sz="2400" dirty="0">
-                <a:latin typeface="Arabic Typesetting" panose="03020402040406030203" pitchFamily="66" charset="-78"/>
-                <a:cs typeface="Arabic Typesetting" panose="03020402040406030203" pitchFamily="66" charset="-78"/>
-              </a:rPr>
-              <a:t> </a:t>
-            </a:r>
-            <a:r>
-              <a:rPr sz="2400" dirty="0" err="1">
-                <a:latin typeface="Arabic Typesetting" panose="03020402040406030203" pitchFamily="66" charset="-78"/>
-                <a:cs typeface="Arabic Typesetting" panose="03020402040406030203" pitchFamily="66" charset="-78"/>
-              </a:rPr>
-              <a:t>کشور</a:t>
-            </a:r>
-            <a:r>
-              <a:rPr sz="2400" dirty="0">
-                <a:latin typeface="Arabic Typesetting" panose="03020402040406030203" pitchFamily="66" charset="-78"/>
-                <a:cs typeface="Arabic Typesetting" panose="03020402040406030203" pitchFamily="66" charset="-78"/>
-              </a:rPr>
-              <a:t>؛ </a:t>
-            </a:r>
-            <a:r>
-              <a:rPr sz="2400" dirty="0" err="1">
-                <a:latin typeface="Arabic Typesetting" panose="03020402040406030203" pitchFamily="66" charset="-78"/>
-                <a:cs typeface="Arabic Typesetting" panose="03020402040406030203" pitchFamily="66" charset="-78"/>
-              </a:rPr>
-              <a:t>اعم</a:t>
-            </a:r>
-            <a:r>
-              <a:rPr sz="2400" dirty="0">
-                <a:latin typeface="Arabic Typesetting" panose="03020402040406030203" pitchFamily="66" charset="-78"/>
-                <a:cs typeface="Arabic Typesetting" panose="03020402040406030203" pitchFamily="66" charset="-78"/>
-              </a:rPr>
-              <a:t> </a:t>
-            </a:r>
-            <a:r>
-              <a:rPr sz="2400" dirty="0" err="1">
-                <a:latin typeface="Arabic Typesetting" panose="03020402040406030203" pitchFamily="66" charset="-78"/>
-                <a:cs typeface="Arabic Typesetting" panose="03020402040406030203" pitchFamily="66" charset="-78"/>
-              </a:rPr>
-              <a:t>از</a:t>
-            </a:r>
-            <a:r>
-              <a:rPr sz="2400" dirty="0">
-                <a:latin typeface="Arabic Typesetting" panose="03020402040406030203" pitchFamily="66" charset="-78"/>
-                <a:cs typeface="Arabic Typesetting" panose="03020402040406030203" pitchFamily="66" charset="-78"/>
-              </a:rPr>
-              <a:t> </a:t>
-            </a:r>
-            <a:r>
-              <a:rPr sz="2400" dirty="0" err="1">
-                <a:latin typeface="Arabic Typesetting" panose="03020402040406030203" pitchFamily="66" charset="-78"/>
-                <a:cs typeface="Arabic Typesetting" panose="03020402040406030203" pitchFamily="66" charset="-78"/>
-              </a:rPr>
-              <a:t>معادن</a:t>
-            </a:r>
-            <a:r>
-              <a:rPr sz="2400" dirty="0">
-                <a:latin typeface="Arabic Typesetting" panose="03020402040406030203" pitchFamily="66" charset="-78"/>
-                <a:cs typeface="Arabic Typesetting" panose="03020402040406030203" pitchFamily="66" charset="-78"/>
-              </a:rPr>
-              <a:t>، </a:t>
-            </a:r>
-            <a:r>
-              <a:rPr sz="2400" dirty="0" err="1">
+              <a:rPr lang="fa-IR" sz="2200" dirty="0">
+                <a:latin typeface="Arabic Typesetting" panose="03020402040406030203" pitchFamily="66" charset="-78"/>
+                <a:cs typeface="Arabic Typesetting" panose="03020402040406030203" pitchFamily="66" charset="-78"/>
+              </a:rPr>
+              <a:t>ملی شدن منابع کشور؛ اعم از معادن، </a:t>
+            </a:r>
+            <a:r>
+              <a:rPr lang="fa-IR" sz="2200" dirty="0" err="1">
                 <a:latin typeface="Arabic Typesetting" panose="03020402040406030203" pitchFamily="66" charset="-78"/>
                 <a:cs typeface="Arabic Typesetting" panose="03020402040406030203" pitchFamily="66" charset="-78"/>
               </a:rPr>
               <a:t>پالایشگاه</a:t>
             </a:r>
             <a:r>
-              <a:rPr sz="2400" dirty="0">
-                <a:latin typeface="Arabic Typesetting" panose="03020402040406030203" pitchFamily="66" charset="-78"/>
-                <a:cs typeface="Arabic Typesetting" panose="03020402040406030203" pitchFamily="66" charset="-78"/>
-              </a:rPr>
-              <a:t> </a:t>
-            </a:r>
-            <a:r>
-              <a:rPr sz="2400" dirty="0" err="1">
-                <a:latin typeface="Arabic Typesetting" panose="03020402040406030203" pitchFamily="66" charset="-78"/>
-                <a:cs typeface="Arabic Typesetting" panose="03020402040406030203" pitchFamily="66" charset="-78"/>
-              </a:rPr>
-              <a:t>ها</a:t>
-            </a:r>
-            <a:r>
-              <a:rPr sz="2400" dirty="0">
-                <a:latin typeface="Arabic Typesetting" panose="03020402040406030203" pitchFamily="66" charset="-78"/>
-                <a:cs typeface="Arabic Typesetting" panose="03020402040406030203" pitchFamily="66" charset="-78"/>
-              </a:rPr>
-              <a:t>، </a:t>
-            </a:r>
-            <a:r>
-              <a:rPr sz="2400" dirty="0" err="1">
+              <a:rPr lang="fa-IR" sz="2200" dirty="0">
+                <a:latin typeface="Arabic Typesetting" panose="03020402040406030203" pitchFamily="66" charset="-78"/>
+                <a:cs typeface="Arabic Typesetting" panose="03020402040406030203" pitchFamily="66" charset="-78"/>
+              </a:rPr>
+              <a:t> ها، </a:t>
+            </a:r>
+            <a:r>
+              <a:rPr lang="fa-IR" sz="2200" dirty="0" err="1">
                 <a:latin typeface="Arabic Typesetting" panose="03020402040406030203" pitchFamily="66" charset="-78"/>
                 <a:cs typeface="Arabic Typesetting" panose="03020402040406030203" pitchFamily="66" charset="-78"/>
               </a:rPr>
               <a:t>پتروشیمی</a:t>
             </a:r>
             <a:r>
-              <a:rPr sz="2400" dirty="0">
-                <a:latin typeface="Arabic Typesetting" panose="03020402040406030203" pitchFamily="66" charset="-78"/>
-                <a:cs typeface="Arabic Typesetting" panose="03020402040406030203" pitchFamily="66" charset="-78"/>
-              </a:rPr>
-              <a:t> </a:t>
-            </a:r>
-            <a:r>
-              <a:rPr sz="2400" dirty="0" err="1">
-                <a:latin typeface="Arabic Typesetting" panose="03020402040406030203" pitchFamily="66" charset="-78"/>
-                <a:cs typeface="Arabic Typesetting" panose="03020402040406030203" pitchFamily="66" charset="-78"/>
-              </a:rPr>
-              <a:t>ها</a:t>
-            </a:r>
-            <a:r>
-              <a:rPr sz="2400" dirty="0">
-                <a:latin typeface="Arabic Typesetting" panose="03020402040406030203" pitchFamily="66" charset="-78"/>
-                <a:cs typeface="Arabic Typesetting" panose="03020402040406030203" pitchFamily="66" charset="-78"/>
-              </a:rPr>
-              <a:t>، </a:t>
-            </a:r>
-            <a:r>
-              <a:rPr sz="2400" dirty="0" err="1">
-                <a:latin typeface="Arabic Typesetting" panose="03020402040406030203" pitchFamily="66" charset="-78"/>
-                <a:cs typeface="Arabic Typesetting" panose="03020402040406030203" pitchFamily="66" charset="-78"/>
-              </a:rPr>
-              <a:t>صنایع</a:t>
-            </a:r>
-            <a:r>
-              <a:rPr sz="2400" dirty="0">
-                <a:latin typeface="Arabic Typesetting" panose="03020402040406030203" pitchFamily="66" charset="-78"/>
-                <a:cs typeface="Arabic Typesetting" panose="03020402040406030203" pitchFamily="66" charset="-78"/>
-              </a:rPr>
-              <a:t> </a:t>
-            </a:r>
-            <a:r>
-              <a:rPr sz="2400" dirty="0" err="1">
-                <a:latin typeface="Arabic Typesetting" panose="03020402040406030203" pitchFamily="66" charset="-78"/>
-                <a:cs typeface="Arabic Typesetting" panose="03020402040406030203" pitchFamily="66" charset="-78"/>
-              </a:rPr>
-              <a:t>فلزات</a:t>
-            </a:r>
-            <a:r>
-              <a:rPr sz="2400" dirty="0">
-                <a:latin typeface="Arabic Typesetting" panose="03020402040406030203" pitchFamily="66" charset="-78"/>
-                <a:cs typeface="Arabic Typesetting" panose="03020402040406030203" pitchFamily="66" charset="-78"/>
-              </a:rPr>
-              <a:t> </a:t>
-            </a:r>
-            <a:r>
-              <a:rPr sz="2400" dirty="0" smtClean="0">
-                <a:latin typeface="Arabic Typesetting" panose="03020402040406030203" pitchFamily="66" charset="-78"/>
-                <a:cs typeface="Arabic Typesetting" panose="03020402040406030203" pitchFamily="66" charset="-78"/>
-              </a:rPr>
-              <a:t>و</a:t>
-            </a:r>
-            <a:r>
-              <a:rPr lang="fa-IR" sz="2400" dirty="0" smtClean="0">
-                <a:latin typeface="Arabic Typesetting" panose="03020402040406030203" pitchFamily="66" charset="-78"/>
-                <a:cs typeface="Arabic Typesetting" panose="03020402040406030203" pitchFamily="66" charset="-78"/>
-              </a:rPr>
-              <a:t>...</a:t>
-            </a:r>
-            <a:endParaRPr sz="2400" dirty="0">
+              <a:rPr lang="fa-IR" sz="2200" dirty="0">
+                <a:latin typeface="Arabic Typesetting" panose="03020402040406030203" pitchFamily="66" charset="-78"/>
+                <a:cs typeface="Arabic Typesetting" panose="03020402040406030203" pitchFamily="66" charset="-78"/>
+              </a:rPr>
+              <a:t> ها، صنایع فلزات و غیره، بعلاوه بازبینی صدور مجوز بانک های خصوصی و رصد عملکرد آن </a:t>
+            </a:r>
+            <a:r>
+              <a:rPr lang="fa-IR" sz="2200" dirty="0">
+                <a:latin typeface="Arabic Typesetting" panose="03020402040406030203" pitchFamily="66" charset="-78"/>
+                <a:cs typeface="Arabic Typesetting" panose="03020402040406030203" pitchFamily="66" charset="-78"/>
+              </a:rPr>
+              <a:t>ها، با رویکرد  تقویت ارزش پول ملی و رشد پایدار اقتصادی، </a:t>
+            </a:r>
+            <a:r>
+              <a:rPr lang="fa-IR" sz="2200" dirty="0">
+                <a:latin typeface="Arabic Typesetting" panose="03020402040406030203" pitchFamily="66" charset="-78"/>
+                <a:cs typeface="Arabic Typesetting" panose="03020402040406030203" pitchFamily="66" charset="-78"/>
+              </a:rPr>
+              <a:t>ضمن حمایت از سرمایه گذاری بخش خصوصی </a:t>
+            </a:r>
+            <a:r>
+              <a:rPr lang="fa-IR" sz="2200" dirty="0" err="1">
+                <a:latin typeface="Arabic Typesetting" panose="03020402040406030203" pitchFamily="66" charset="-78"/>
+                <a:cs typeface="Arabic Typesetting" panose="03020402040406030203" pitchFamily="66" charset="-78"/>
+              </a:rPr>
+              <a:t>درجهت</a:t>
+            </a:r>
+            <a:r>
+              <a:rPr lang="fa-IR" sz="2200" dirty="0">
+                <a:latin typeface="Arabic Typesetting" panose="03020402040406030203" pitchFamily="66" charset="-78"/>
+                <a:cs typeface="Arabic Typesetting" panose="03020402040406030203" pitchFamily="66" charset="-78"/>
+              </a:rPr>
+              <a:t> تامین منافع ملی</a:t>
+            </a:r>
+            <a:endParaRPr sz="2200" dirty="0">
               <a:latin typeface="Arabic Typesetting" panose="03020402040406030203" pitchFamily="66" charset="-78"/>
               <a:cs typeface="Arabic Typesetting" panose="03020402040406030203" pitchFamily="66" charset="-78"/>
             </a:endParaRPr>
@@ -4800,7 +4667,7 @@
           </a:bodyPr>
           <a:lstStyle/>
           <a:p>
-            <a:pPr algn="r">
+            <a:pPr algn="just" rtl="1">
               <a:defRPr sz="1500">
                 <a:solidFill>
                   <a:srgbClr val="1A1A1A"/>
@@ -5084,7 +4951,7 @@
           </a:bodyPr>
           <a:lstStyle/>
           <a:p>
-            <a:pPr algn="r">
+            <a:pPr algn="just" rtl="1">
               <a:defRPr sz="1500">
                 <a:solidFill>
                   <a:srgbClr val="1A1A1A"/>
@@ -8302,8 +8169,8 @@
         </p:nvSpPr>
         <p:spPr>
           <a:xfrm>
-            <a:off x="1463040" y="2103120"/>
-            <a:ext cx="6400800" cy="731520"/>
+            <a:off x="1463040" y="2114937"/>
+            <a:ext cx="6400800" cy="707886"/>
           </a:xfrm>
           <a:prstGeom prst="rect">
             <a:avLst/>
@@ -8325,156 +8192,36 @@
               </a:defRPr>
             </a:pPr>
             <a:r>
-              <a:rPr dirty="0" err="1">
-                <a:latin typeface="Arial Unicode MS" panose="020B0604020202020204" pitchFamily="34" charset="-128"/>
-                <a:ea typeface="Arial Unicode MS" panose="020B0604020202020204" pitchFamily="34" charset="-128"/>
-                <a:cs typeface="Arial Unicode MS" panose="020B0604020202020204" pitchFamily="34" charset="-128"/>
-              </a:rPr>
-              <a:t>تحقق</a:t>
-            </a:r>
-            <a:r>
-              <a:rPr dirty="0">
-                <a:latin typeface="Arial Unicode MS" panose="020B0604020202020204" pitchFamily="34" charset="-128"/>
-                <a:ea typeface="Arial Unicode MS" panose="020B0604020202020204" pitchFamily="34" charset="-128"/>
-                <a:cs typeface="Arial Unicode MS" panose="020B0604020202020204" pitchFamily="34" charset="-128"/>
-              </a:rPr>
-              <a:t> </a:t>
-            </a:r>
-            <a:r>
-              <a:rPr dirty="0" err="1">
-                <a:latin typeface="Arial Unicode MS" panose="020B0604020202020204" pitchFamily="34" charset="-128"/>
-                <a:ea typeface="Arial Unicode MS" panose="020B0604020202020204" pitchFamily="34" charset="-128"/>
-                <a:cs typeface="Arial Unicode MS" panose="020B0604020202020204" pitchFamily="34" charset="-128"/>
-              </a:rPr>
-              <a:t>حکومت</a:t>
-            </a:r>
-            <a:r>
-              <a:rPr dirty="0">
-                <a:latin typeface="Arial Unicode MS" panose="020B0604020202020204" pitchFamily="34" charset="-128"/>
-                <a:ea typeface="Arial Unicode MS" panose="020B0604020202020204" pitchFamily="34" charset="-128"/>
-                <a:cs typeface="Arial Unicode MS" panose="020B0604020202020204" pitchFamily="34" charset="-128"/>
-              </a:rPr>
-              <a:t> </a:t>
-            </a:r>
-            <a:r>
-              <a:rPr dirty="0" err="1">
-                <a:latin typeface="Arial Unicode MS" panose="020B0604020202020204" pitchFamily="34" charset="-128"/>
-                <a:ea typeface="Arial Unicode MS" panose="020B0604020202020204" pitchFamily="34" charset="-128"/>
-                <a:cs typeface="Arial Unicode MS" panose="020B0604020202020204" pitchFamily="34" charset="-128"/>
-              </a:rPr>
-              <a:t>نخبه</a:t>
-            </a:r>
-            <a:r>
-              <a:rPr dirty="0">
-                <a:latin typeface="Arial Unicode MS" panose="020B0604020202020204" pitchFamily="34" charset="-128"/>
-                <a:ea typeface="Arial Unicode MS" panose="020B0604020202020204" pitchFamily="34" charset="-128"/>
-                <a:cs typeface="Arial Unicode MS" panose="020B0604020202020204" pitchFamily="34" charset="-128"/>
-              </a:rPr>
-              <a:t> </a:t>
-            </a:r>
-            <a:r>
-              <a:rPr dirty="0" err="1">
-                <a:latin typeface="Arial Unicode MS" panose="020B0604020202020204" pitchFamily="34" charset="-128"/>
-                <a:ea typeface="Arial Unicode MS" panose="020B0604020202020204" pitchFamily="34" charset="-128"/>
-                <a:cs typeface="Arial Unicode MS" panose="020B0604020202020204" pitchFamily="34" charset="-128"/>
-              </a:rPr>
-              <a:t>گرای</a:t>
-            </a:r>
-            <a:r>
-              <a:rPr dirty="0">
-                <a:latin typeface="Arial Unicode MS" panose="020B0604020202020204" pitchFamily="34" charset="-128"/>
-                <a:ea typeface="Arial Unicode MS" panose="020B0604020202020204" pitchFamily="34" charset="-128"/>
-                <a:cs typeface="Arial Unicode MS" panose="020B0604020202020204" pitchFamily="34" charset="-128"/>
-              </a:rPr>
-              <a:t> </a:t>
-            </a:r>
-            <a:r>
-              <a:rPr dirty="0" err="1">
-                <a:latin typeface="Arial Unicode MS" panose="020B0604020202020204" pitchFamily="34" charset="-128"/>
-                <a:ea typeface="Arial Unicode MS" panose="020B0604020202020204" pitchFamily="34" charset="-128"/>
-                <a:cs typeface="Arial Unicode MS" panose="020B0604020202020204" pitchFamily="34" charset="-128"/>
-              </a:rPr>
-              <a:t>خرد</a:t>
-            </a:r>
-            <a:r>
-              <a:rPr dirty="0">
-                <a:latin typeface="Arial Unicode MS" panose="020B0604020202020204" pitchFamily="34" charset="-128"/>
-                <a:ea typeface="Arial Unicode MS" panose="020B0604020202020204" pitchFamily="34" charset="-128"/>
-                <a:cs typeface="Arial Unicode MS" panose="020B0604020202020204" pitchFamily="34" charset="-128"/>
-              </a:rPr>
-              <a:t> </a:t>
-            </a:r>
-            <a:r>
-              <a:rPr dirty="0" err="1">
-                <a:latin typeface="Arial Unicode MS" panose="020B0604020202020204" pitchFamily="34" charset="-128"/>
-                <a:ea typeface="Arial Unicode MS" panose="020B0604020202020204" pitchFamily="34" charset="-128"/>
-                <a:cs typeface="Arial Unicode MS" panose="020B0604020202020204" pitchFamily="34" charset="-128"/>
-              </a:rPr>
-              <a:t>محور</a:t>
-            </a:r>
-            <a:r>
-              <a:rPr dirty="0">
-                <a:latin typeface="Arial Unicode MS" panose="020B0604020202020204" pitchFamily="34" charset="-128"/>
-                <a:ea typeface="Arial Unicode MS" panose="020B0604020202020204" pitchFamily="34" charset="-128"/>
-                <a:cs typeface="Arial Unicode MS" panose="020B0604020202020204" pitchFamily="34" charset="-128"/>
-              </a:rPr>
-              <a:t> </a:t>
-            </a:r>
-            <a:r>
-              <a:rPr dirty="0" err="1">
-                <a:latin typeface="Arial Unicode MS" panose="020B0604020202020204" pitchFamily="34" charset="-128"/>
-                <a:ea typeface="Arial Unicode MS" panose="020B0604020202020204" pitchFamily="34" charset="-128"/>
-                <a:cs typeface="Arial Unicode MS" panose="020B0604020202020204" pitchFamily="34" charset="-128"/>
-              </a:rPr>
-              <a:t>مردم</a:t>
-            </a:r>
-            <a:r>
-              <a:rPr dirty="0">
-                <a:latin typeface="Arial Unicode MS" panose="020B0604020202020204" pitchFamily="34" charset="-128"/>
-                <a:ea typeface="Arial Unicode MS" panose="020B0604020202020204" pitchFamily="34" charset="-128"/>
-                <a:cs typeface="Arial Unicode MS" panose="020B0604020202020204" pitchFamily="34" charset="-128"/>
-              </a:rPr>
-              <a:t> </a:t>
-            </a:r>
-            <a:r>
-              <a:rPr dirty="0" err="1">
+              <a:rPr lang="fa-IR" dirty="0">
+                <a:latin typeface="Arial Unicode MS" panose="020B0604020202020204" pitchFamily="34" charset="-128"/>
+                <a:ea typeface="Arial Unicode MS" panose="020B0604020202020204" pitchFamily="34" charset="-128"/>
+                <a:cs typeface="Arial Unicode MS" panose="020B0604020202020204" pitchFamily="34" charset="-128"/>
+              </a:rPr>
+              <a:t>پادشاهی انتخابی؛ تحقق حکومت نخبه گرای خرد </a:t>
+            </a:r>
+            <a:r>
+              <a:rPr lang="fa-IR" dirty="0" smtClean="0">
+                <a:latin typeface="Arial Unicode MS" panose="020B0604020202020204" pitchFamily="34" charset="-128"/>
+                <a:ea typeface="Arial Unicode MS" panose="020B0604020202020204" pitchFamily="34" charset="-128"/>
+                <a:cs typeface="Arial Unicode MS" panose="020B0604020202020204" pitchFamily="34" charset="-128"/>
+              </a:rPr>
+              <a:t>محور </a:t>
+            </a:r>
+            <a:r>
+              <a:rPr lang="fa-IR" dirty="0">
+                <a:latin typeface="Arial Unicode MS" panose="020B0604020202020204" pitchFamily="34" charset="-128"/>
+                <a:ea typeface="Arial Unicode MS" panose="020B0604020202020204" pitchFamily="34" charset="-128"/>
+                <a:cs typeface="Arial Unicode MS" panose="020B0604020202020204" pitchFamily="34" charset="-128"/>
+              </a:rPr>
+              <a:t>مردم </a:t>
+            </a:r>
+            <a:r>
+              <a:rPr lang="fa-IR" dirty="0" smtClean="0">
                 <a:latin typeface="Arial Unicode MS" panose="020B0604020202020204" pitchFamily="34" charset="-128"/>
                 <a:ea typeface="Arial Unicode MS" panose="020B0604020202020204" pitchFamily="34" charset="-128"/>
                 <a:cs typeface="Arial Unicode MS" panose="020B0604020202020204" pitchFamily="34" charset="-128"/>
               </a:rPr>
               <a:t>سالار</a:t>
-            </a:r>
-            <a:r>
-              <a:rPr dirty="0">
-                <a:latin typeface="Arial Unicode MS" panose="020B0604020202020204" pitchFamily="34" charset="-128"/>
-                <a:ea typeface="Arial Unicode MS" panose="020B0604020202020204" pitchFamily="34" charset="-128"/>
-                <a:cs typeface="Arial Unicode MS" panose="020B0604020202020204" pitchFamily="34" charset="-128"/>
-              </a:rPr>
-              <a:t> </a:t>
-            </a:r>
-            <a:r>
-              <a:rPr dirty="0" err="1">
-                <a:latin typeface="Arial Unicode MS" panose="020B0604020202020204" pitchFamily="34" charset="-128"/>
-                <a:ea typeface="Arial Unicode MS" panose="020B0604020202020204" pitchFamily="34" charset="-128"/>
-                <a:cs typeface="Arial Unicode MS" panose="020B0604020202020204" pitchFamily="34" charset="-128"/>
-              </a:rPr>
-              <a:t>غیردائمی</a:t>
-            </a:r>
-            <a:r>
-              <a:rPr dirty="0">
-                <a:latin typeface="Arial Unicode MS" panose="020B0604020202020204" pitchFamily="34" charset="-128"/>
-                <a:ea typeface="Arial Unicode MS" panose="020B0604020202020204" pitchFamily="34" charset="-128"/>
-                <a:cs typeface="Arial Unicode MS" panose="020B0604020202020204" pitchFamily="34" charset="-128"/>
-              </a:rPr>
-              <a:t> و </a:t>
-            </a:r>
-            <a:r>
-              <a:rPr dirty="0" err="1">
-                <a:latin typeface="Arial Unicode MS" panose="020B0604020202020204" pitchFamily="34" charset="-128"/>
-                <a:ea typeface="Arial Unicode MS" panose="020B0604020202020204" pitchFamily="34" charset="-128"/>
-                <a:cs typeface="Arial Unicode MS" panose="020B0604020202020204" pitchFamily="34" charset="-128"/>
-              </a:rPr>
-              <a:t>انتخابی</a:t>
             </a:r>
             <a:endParaRPr dirty="0">
               <a:latin typeface="Arial Unicode MS" panose="020B0604020202020204" pitchFamily="34" charset="-128"/>
@@ -8492,8 +8239,8 @@
         </p:nvSpPr>
         <p:spPr>
           <a:xfrm>
-            <a:off x="3463432" y="2969567"/>
-            <a:ext cx="2400016" cy="461665"/>
+            <a:off x="3343207" y="2969567"/>
+            <a:ext cx="2640466" cy="461665"/>
           </a:xfrm>
           <a:prstGeom prst="rect">
             <a:avLst/>
@@ -8515,7 +8262,7 @@
               </a:defRPr>
             </a:pPr>
             <a:r>
-              <a:rPr dirty="0">
+              <a:rPr dirty="0" smtClean="0">
                 <a:latin typeface="Arial Unicode MS" panose="020B0604020202020204" pitchFamily="34" charset="-128"/>
                 <a:ea typeface="Arial Unicode MS" panose="020B0604020202020204" pitchFamily="34" charset="-128"/>
                 <a:cs typeface="Arial Unicode MS" panose="020B0604020202020204" pitchFamily="34" charset="-128"/>
@@ -8523,37 +8270,34 @@
               <a:t>(</a:t>
             </a:r>
             <a:r>
-              <a:rPr dirty="0" err="1">
-                <a:latin typeface="Arial Unicode MS" panose="020B0604020202020204" pitchFamily="34" charset="-128"/>
-                <a:ea typeface="Arial Unicode MS" panose="020B0604020202020204" pitchFamily="34" charset="-128"/>
-                <a:cs typeface="Arial Unicode MS" panose="020B0604020202020204" pitchFamily="34" charset="-128"/>
-              </a:rPr>
-              <a:t>پادشاهی</a:t>
-            </a:r>
-            <a:r>
-              <a:rPr dirty="0">
-                <a:latin typeface="Arial Unicode MS" panose="020B0604020202020204" pitchFamily="34" charset="-128"/>
-                <a:ea typeface="Arial Unicode MS" panose="020B0604020202020204" pitchFamily="34" charset="-128"/>
-                <a:cs typeface="Arial Unicode MS" panose="020B0604020202020204" pitchFamily="34" charset="-128"/>
-              </a:rPr>
-              <a:t> </a:t>
-            </a:r>
-            <a:r>
-              <a:rPr dirty="0" err="1">
-                <a:latin typeface="Arial Unicode MS" panose="020B0604020202020204" pitchFamily="34" charset="-128"/>
-                <a:ea typeface="Arial Unicode MS" panose="020B0604020202020204" pitchFamily="34" charset="-128"/>
-                <a:cs typeface="Arial Unicode MS" panose="020B0604020202020204" pitchFamily="34" charset="-128"/>
-              </a:rPr>
-              <a:t>انتخابی</a:t>
-            </a:r>
-            <a:r>
-              <a:rPr dirty="0">
+              <a:rPr lang="fa-IR" dirty="0" err="1" smtClean="0">
+                <a:latin typeface="Arial Unicode MS" panose="020B0604020202020204" pitchFamily="34" charset="-128"/>
+                <a:ea typeface="Arial Unicode MS" panose="020B0604020202020204" pitchFamily="34" charset="-128"/>
+                <a:cs typeface="Arial Unicode MS" panose="020B0604020202020204" pitchFamily="34" charset="-128"/>
+              </a:rPr>
+              <a:t>غیردائمی</a:t>
+            </a:r>
+            <a:r>
+              <a:rPr lang="fa-IR" dirty="0" smtClean="0">
+                <a:latin typeface="Arial Unicode MS" panose="020B0604020202020204" pitchFamily="34" charset="-128"/>
+                <a:ea typeface="Arial Unicode MS" panose="020B0604020202020204" pitchFamily="34" charset="-128"/>
+                <a:cs typeface="Arial Unicode MS" panose="020B0604020202020204" pitchFamily="34" charset="-128"/>
+              </a:rPr>
+              <a:t> و انتخابی</a:t>
+            </a:r>
+            <a:r>
+              <a:rPr dirty="0" smtClean="0">
                 <a:latin typeface="Arial Unicode MS" panose="020B0604020202020204" pitchFamily="34" charset="-128"/>
                 <a:ea typeface="Arial Unicode MS" panose="020B0604020202020204" pitchFamily="34" charset="-128"/>
                 <a:cs typeface="Arial Unicode MS" panose="020B0604020202020204" pitchFamily="34" charset="-128"/>
               </a:rPr>
               <a:t>)</a:t>
             </a:r>
+            <a:endParaRPr dirty="0">
+              <a:latin typeface="Arial Unicode MS" panose="020B0604020202020204" pitchFamily="34" charset="-128"/>
+              <a:ea typeface="Arial Unicode MS" panose="020B0604020202020204" pitchFamily="34" charset="-128"/>
+              <a:cs typeface="Arial Unicode MS" panose="020B0604020202020204" pitchFamily="34" charset="-128"/>
+            </a:endParaRPr>
           </a:p>
         </p:txBody>
       </p:sp>
@@ -8679,8 +8423,8 @@
         </p:nvSpPr>
         <p:spPr>
           <a:xfrm>
-            <a:off x="3796633" y="365760"/>
-            <a:ext cx="3975767" cy="584775"/>
+            <a:off x="3732512" y="365760"/>
+            <a:ext cx="4039888" cy="584775"/>
           </a:xfrm>
           <a:prstGeom prst="rect">
             <a:avLst/>
@@ -8727,7 +8471,28 @@
                 <a:latin typeface="Clother Black" panose="020B0903020203020203" pitchFamily="34" charset="-78"/>
                 <a:cs typeface="Clother Black" panose="020B0903020203020203" pitchFamily="34" charset="-78"/>
               </a:rPr>
-              <a:t> (۱۲-۱۳)</a:t>
+              <a:t> </a:t>
+            </a:r>
+            <a:r>
+              <a:rPr lang="fa-IR" dirty="0" smtClean="0">
+                <a:latin typeface="Clother Black" panose="020B0903020203020203" pitchFamily="34" charset="-78"/>
+                <a:cs typeface="Clother Black" panose="020B0903020203020203" pitchFamily="34" charset="-78"/>
+              </a:rPr>
+              <a:t> </a:t>
+            </a:r>
+            <a:r>
+              <a:rPr dirty="0" smtClean="0">
+                <a:latin typeface="Clother Black" panose="020B0903020203020203" pitchFamily="34" charset="-78"/>
+                <a:cs typeface="Clother Black" panose="020B0903020203020203" pitchFamily="34" charset="-78"/>
+              </a:rPr>
+              <a:t>(</a:t>
+            </a:r>
+            <a:r>
+              <a:rPr dirty="0">
+                <a:latin typeface="Clother Black" panose="020B0903020203020203" pitchFamily="34" charset="-78"/>
+                <a:cs typeface="Clother Black" panose="020B0903020203020203" pitchFamily="34" charset="-78"/>
+              </a:rPr>
+              <a:t>۱۲-۱۳)</a:t>
             </a:r>
           </a:p>
         </p:txBody>
@@ -9075,8 +8840,8 @@
         </p:nvSpPr>
         <p:spPr>
           <a:xfrm>
-            <a:off x="1188720" y="2832407"/>
-            <a:ext cx="7498079" cy="461665"/>
+            <a:off x="1188720" y="2647741"/>
+            <a:ext cx="7498079" cy="830997"/>
           </a:xfrm>
           <a:prstGeom prst="rect">
             <a:avLst/>
@@ -9105,67 +8870,32 @@
               <a:t>۱۳. </a:t>
             </a:r>
             <a:r>
-              <a:rPr sz="2400" dirty="0" err="1" smtClean="0">
-                <a:latin typeface="Arabic Typesetting" panose="03020402040406030203" pitchFamily="66" charset="-78"/>
-                <a:cs typeface="Arabic Typesetting" panose="03020402040406030203" pitchFamily="66" charset="-78"/>
-              </a:rPr>
-              <a:t>قانون</a:t>
-            </a:r>
-            <a:r>
-              <a:rPr sz="2400" dirty="0" smtClean="0">
-                <a:latin typeface="Arabic Typesetting" panose="03020402040406030203" pitchFamily="66" charset="-78"/>
-                <a:cs typeface="Arabic Typesetting" panose="03020402040406030203" pitchFamily="66" charset="-78"/>
-              </a:rPr>
-              <a:t> </a:t>
-            </a:r>
-            <a:r>
-              <a:rPr sz="2400" dirty="0" err="1">
-                <a:latin typeface="Arabic Typesetting" panose="03020402040406030203" pitchFamily="66" charset="-78"/>
-                <a:cs typeface="Arabic Typesetting" panose="03020402040406030203" pitchFamily="66" charset="-78"/>
-              </a:rPr>
-              <a:t>منع</a:t>
-            </a:r>
-            <a:r>
-              <a:rPr sz="2400" dirty="0">
-                <a:latin typeface="Arabic Typesetting" panose="03020402040406030203" pitchFamily="66" charset="-78"/>
-                <a:cs typeface="Arabic Typesetting" panose="03020402040406030203" pitchFamily="66" charset="-78"/>
-              </a:rPr>
-              <a:t> </a:t>
-            </a:r>
-            <a:r>
-              <a:rPr sz="2400" dirty="0" err="1">
-                <a:latin typeface="Arabic Typesetting" panose="03020402040406030203" pitchFamily="66" charset="-78"/>
-                <a:cs typeface="Arabic Typesetting" panose="03020402040406030203" pitchFamily="66" charset="-78"/>
-              </a:rPr>
-              <a:t>توهین</a:t>
-            </a:r>
-            <a:r>
-              <a:rPr sz="2400" dirty="0">
-                <a:latin typeface="Arabic Typesetting" panose="03020402040406030203" pitchFamily="66" charset="-78"/>
-                <a:cs typeface="Arabic Typesetting" panose="03020402040406030203" pitchFamily="66" charset="-78"/>
-              </a:rPr>
-              <a:t> </a:t>
-            </a:r>
-            <a:r>
-              <a:rPr sz="2400" dirty="0" err="1">
-                <a:latin typeface="Arabic Typesetting" panose="03020402040406030203" pitchFamily="66" charset="-78"/>
-                <a:cs typeface="Arabic Typesetting" panose="03020402040406030203" pitchFamily="66" charset="-78"/>
-              </a:rPr>
-              <a:t>به</a:t>
-            </a:r>
-            <a:r>
-              <a:rPr sz="2400" dirty="0">
-                <a:latin typeface="Arabic Typesetting" panose="03020402040406030203" pitchFamily="66" charset="-78"/>
-                <a:cs typeface="Arabic Typesetting" panose="03020402040406030203" pitchFamily="66" charset="-78"/>
-              </a:rPr>
-              <a:t> </a:t>
-            </a:r>
-            <a:r>
-              <a:rPr sz="2400" dirty="0" err="1" smtClean="0">
-                <a:latin typeface="Arabic Typesetting" panose="03020402040406030203" pitchFamily="66" charset="-78"/>
-                <a:cs typeface="Arabic Typesetting" panose="03020402040406030203" pitchFamily="66" charset="-78"/>
-              </a:rPr>
-              <a:t>محترمین</a:t>
+              <a:rPr lang="fa-IR" sz="2400" dirty="0">
+                <a:latin typeface="Arabic Typesetting" panose="03020402040406030203" pitchFamily="66" charset="-78"/>
+                <a:cs typeface="Arabic Typesetting" panose="03020402040406030203" pitchFamily="66" charset="-78"/>
+              </a:rPr>
+              <a:t>قانون منع توهین به محترمین، شئون و مقدسات؛ اعم از بزرگان و شخصیت های فرهنگی، ملی، مذهبی </a:t>
+            </a:r>
+            <a:r>
+              <a:rPr lang="fa-IR" sz="2400" dirty="0" smtClean="0">
+                <a:latin typeface="Arabic Typesetting" panose="03020402040406030203" pitchFamily="66" charset="-78"/>
+                <a:cs typeface="Arabic Typesetting" panose="03020402040406030203" pitchFamily="66" charset="-78"/>
+              </a:rPr>
+              <a:t>و یا </a:t>
+            </a:r>
+            <a:r>
+              <a:rPr lang="fa-IR" sz="2400" dirty="0">
+                <a:latin typeface="Arabic Typesetting" panose="03020402040406030203" pitchFamily="66" charset="-78"/>
+                <a:cs typeface="Arabic Typesetting" panose="03020402040406030203" pitchFamily="66" charset="-78"/>
+              </a:rPr>
+              <a:t>اماکن تاریخی، دینی و غیره</a:t>
+            </a:r>
+            <a:r>
+              <a:rPr lang="fa-IR" sz="2400" dirty="0" smtClean="0">
+                <a:latin typeface="Arabic Typesetting" panose="03020402040406030203" pitchFamily="66" charset="-78"/>
+                <a:cs typeface="Arabic Typesetting" panose="03020402040406030203" pitchFamily="66" charset="-78"/>
+              </a:rPr>
+              <a:t>.</a:t>
             </a:r>
             <a:endParaRPr sz="2400" dirty="0">
               <a:latin typeface="Arabic Typesetting" panose="03020402040406030203" pitchFamily="66" charset="-78"/>
@@ -9228,8 +8958,8 @@
         </p:nvSpPr>
         <p:spPr>
           <a:xfrm>
-            <a:off x="3323100" y="4067294"/>
-            <a:ext cx="2497800" cy="369332"/>
+            <a:off x="3291040" y="4067294"/>
+            <a:ext cx="2561920" cy="369332"/>
           </a:xfrm>
           <a:prstGeom prst="rect">
             <a:avLst/>
@@ -9251,7 +8981,15 @@
               </a:defRPr>
             </a:pPr>
             <a:r>
-              <a:rPr dirty="0" err="1">
+              <a:rPr lang="fa-IR" dirty="0" smtClean="0">
+                <a:latin typeface="Arial Unicode MS" panose="020B0604020202020204" pitchFamily="34" charset="-128"/>
+                <a:ea typeface="Arial Unicode MS" panose="020B0604020202020204" pitchFamily="34" charset="-128"/>
+                <a:cs typeface="Arial Unicode MS" panose="020B0604020202020204" pitchFamily="34" charset="-128"/>
+              </a:rPr>
+              <a:t> </a:t>
+            </a:r>
+            <a:r>
+              <a:rPr dirty="0" err="1" smtClean="0">
                 <a:latin typeface="Arial Unicode MS" panose="020B0604020202020204" pitchFamily="34" charset="-128"/>
                 <a:ea typeface="Arial Unicode MS" panose="020B0604020202020204" pitchFamily="34" charset="-128"/>
                 <a:cs typeface="Arial Unicode MS" panose="020B0604020202020204" pitchFamily="34" charset="-128"/>
@@ -9259,7 +8997,7 @@
               <a:t>آزادی</a:t>
             </a:r>
             <a:r>
-              <a:rPr dirty="0">
+              <a:rPr dirty="0" smtClean="0">
                 <a:latin typeface="Arial Unicode MS" panose="020B0604020202020204" pitchFamily="34" charset="-128"/>
                 <a:ea typeface="Arial Unicode MS" panose="020B0604020202020204" pitchFamily="34" charset="-128"/>
                 <a:cs typeface="Arial Unicode MS" panose="020B0604020202020204" pitchFamily="34" charset="-128"/>
@@ -11575,7 +11313,7 @@
           </a:bodyPr>
           <a:lstStyle/>
           <a:p>
-            <a:pPr algn="r">
+            <a:pPr algn="just" rtl="1">
               <a:lnSpc>
                 <a:spcPct val="130000"/>
               </a:lnSpc>
@@ -12335,7 +12073,7 @@
           </a:bodyPr>
           <a:lstStyle/>
           <a:p>
-            <a:pPr algn="r">
+            <a:pPr algn="just" rtl="1">
               <a:lnSpc>
                 <a:spcPct val="130000"/>
               </a:lnSpc>
@@ -13138,7 +12876,7 @@
           </a:bodyPr>
           <a:lstStyle/>
           <a:p>
-            <a:pPr algn="r">
+            <a:pPr algn="just" rtl="1">
               <a:lnSpc>
                 <a:spcPct val="130000"/>
               </a:lnSpc>
@@ -15211,7 +14949,7 @@
           </a:bodyPr>
           <a:lstStyle/>
           <a:p>
-            <a:pPr algn="r">
+            <a:pPr algn="just" rtl="1">
               <a:lnSpc>
                 <a:spcPct val="130000"/>
               </a:lnSpc>

--- a/public/firststatement.pptx
+++ b/public/firststatement.pptx
@@ -3641,8 +3641,8 @@
         </p:blipFill>
         <p:spPr>
           <a:xfrm>
-            <a:off x="3314699" y="680395"/>
-            <a:ext cx="2437039" cy="3655559"/>
+            <a:off x="1865881" y="1311295"/>
+            <a:ext cx="5425825" cy="3617216"/>
           </a:xfrm>
           <a:prstGeom prst="rect">
             <a:avLst/>
@@ -3949,6 +3949,44 @@
           </a:p>
         </p:txBody>
       </p:sp>
+      <p:pic>
+        <p:nvPicPr>
+          <p:cNvPr id="24" name="Picture 23"/>
+          <p:cNvPicPr>
+            <a:picLocks noChangeAspect="1"/>
+          </p:cNvPicPr>
+          <p:nvPr/>
+        </p:nvPicPr>
+        <p:blipFill>
+          <a:blip r:embed="rId4">
+            <a:extLst>
+              <a:ext uri="{28A0092B-C50C-407E-A947-70E740481C1C}">
+                <a14:useLocalDpi xmlns:a14="http://schemas.microsoft.com/office/drawing/2010/main" val="0"/>
+              </a:ext>
+            </a:extLst>
+          </a:blip>
+          <a:stretch>
+            <a:fillRect/>
+          </a:stretch>
+        </p:blipFill>
+        <p:spPr>
+          <a:xfrm>
+            <a:off x="8085626" y="57234"/>
+            <a:ext cx="1023704" cy="575834"/>
+          </a:xfrm>
+          <a:prstGeom prst="rect">
+            <a:avLst/>
+          </a:prstGeom>
+          <a:ln>
+            <a:solidFill>
+              <a:schemeClr val="tx1"/>
+            </a:solidFill>
+          </a:ln>
+          <a:effectLst>
+            <a:softEdge rad="63500"/>
+          </a:effectLst>
+        </p:spPr>
+      </p:pic>
     </p:spTree>
   </p:cSld>
   <p:clrMapOvr>
@@ -4163,7 +4201,7 @@
       </p:sp>
       <p:pic>
         <p:nvPicPr>
-          <p:cNvPr id="5" name="Picture 4"/>
+          <p:cNvPr id="6" name="Picture 5"/>
           <p:cNvPicPr>
             <a:picLocks noChangeAspect="1"/>
           </p:cNvPicPr>
@@ -4183,12 +4221,50 @@
         </p:blipFill>
         <p:spPr>
           <a:xfrm>
-            <a:off x="3170815" y="383723"/>
-            <a:ext cx="2792184" cy="4188277"/>
+            <a:off x="1753284" y="735985"/>
+            <a:ext cx="5637430" cy="3758285"/>
           </a:xfrm>
           <a:prstGeom prst="rect">
             <a:avLst/>
           </a:prstGeom>
+        </p:spPr>
+      </p:pic>
+      <p:pic>
+        <p:nvPicPr>
+          <p:cNvPr id="5" name="Picture 4"/>
+          <p:cNvPicPr>
+            <a:picLocks noChangeAspect="1"/>
+          </p:cNvPicPr>
+          <p:nvPr/>
+        </p:nvPicPr>
+        <p:blipFill>
+          <a:blip r:embed="rId3">
+            <a:extLst>
+              <a:ext uri="{28A0092B-C50C-407E-A947-70E740481C1C}">
+                <a14:useLocalDpi xmlns:a14="http://schemas.microsoft.com/office/drawing/2010/main" val="0"/>
+              </a:ext>
+            </a:extLst>
+          </a:blip>
+          <a:stretch>
+            <a:fillRect/>
+          </a:stretch>
+        </p:blipFill>
+        <p:spPr>
+          <a:xfrm>
+            <a:off x="8085626" y="57234"/>
+            <a:ext cx="1023704" cy="575834"/>
+          </a:xfrm>
+          <a:prstGeom prst="rect">
+            <a:avLst/>
+          </a:prstGeom>
+          <a:ln>
+            <a:solidFill>
+              <a:schemeClr val="tx1"/>
+            </a:solidFill>
+          </a:ln>
+          <a:effectLst>
+            <a:softEdge rad="63500"/>
+          </a:effectLst>
         </p:spPr>
       </p:pic>
     </p:spTree>
@@ -4564,21 +4640,7 @@
                 <a:latin typeface="Arabic Typesetting" panose="03020402040406030203" pitchFamily="66" charset="-78"/>
                 <a:cs typeface="Arabic Typesetting" panose="03020402040406030203" pitchFamily="66" charset="-78"/>
               </a:rPr>
-              <a:t> ها، صنایع فلزات و غیره، بعلاوه بازبینی صدور مجوز بانک های خصوصی و رصد عملکرد آن </a:t>
-            </a:r>
-            <a:r>
-              <a:rPr lang="fa-IR" sz="2200" dirty="0">
-                <a:latin typeface="Arabic Typesetting" panose="03020402040406030203" pitchFamily="66" charset="-78"/>
-                <a:cs typeface="Arabic Typesetting" panose="03020402040406030203" pitchFamily="66" charset="-78"/>
-              </a:rPr>
-              <a:t>ها، با رویکرد  تقویت ارزش پول ملی و رشد پایدار اقتصادی، </a:t>
-            </a:r>
-            <a:r>
-              <a:rPr lang="fa-IR" sz="2200" dirty="0">
-                <a:latin typeface="Arabic Typesetting" panose="03020402040406030203" pitchFamily="66" charset="-78"/>
-                <a:cs typeface="Arabic Typesetting" panose="03020402040406030203" pitchFamily="66" charset="-78"/>
-              </a:rPr>
-              <a:t>ضمن حمایت از سرمایه گذاری بخش خصوصی </a:t>
+              <a:t> ها، صنایع فلزات و غیره، بعلاوه بازبینی صدور مجوز بانک های خصوصی و رصد عملکرد آن ها، با رویکرد  تقویت ارزش پول ملی و رشد پایدار اقتصادی، ضمن حمایت از سرمایه گذاری بخش خصوصی </a:t>
             </a:r>
             <a:r>
               <a:rPr lang="fa-IR" sz="2200" dirty="0" err="1">
@@ -5152,7 +5214,7 @@
       </p:sp>
       <p:pic>
         <p:nvPicPr>
-          <p:cNvPr id="14" name="Picture 13"/>
+          <p:cNvPr id="15" name="Picture 14"/>
           <p:cNvPicPr>
             <a:picLocks noChangeAspect="1"/>
           </p:cNvPicPr>
@@ -5172,12 +5234,50 @@
         </p:blipFill>
         <p:spPr>
           <a:xfrm>
-            <a:off x="7392760" y="-889322"/>
-            <a:ext cx="1964329" cy="2946492"/>
+            <a:off x="7134986" y="-244254"/>
+            <a:ext cx="2690275" cy="1793516"/>
           </a:xfrm>
           <a:prstGeom prst="rect">
             <a:avLst/>
           </a:prstGeom>
+        </p:spPr>
+      </p:pic>
+      <p:pic>
+        <p:nvPicPr>
+          <p:cNvPr id="14" name="Picture 13"/>
+          <p:cNvPicPr>
+            <a:picLocks noChangeAspect="1"/>
+          </p:cNvPicPr>
+          <p:nvPr/>
+        </p:nvPicPr>
+        <p:blipFill>
+          <a:blip r:embed="rId3">
+            <a:extLst>
+              <a:ext uri="{28A0092B-C50C-407E-A947-70E740481C1C}">
+                <a14:useLocalDpi xmlns:a14="http://schemas.microsoft.com/office/drawing/2010/main" val="0"/>
+              </a:ext>
+            </a:extLst>
+          </a:blip>
+          <a:stretch>
+            <a:fillRect/>
+          </a:stretch>
+        </p:blipFill>
+        <p:spPr>
+          <a:xfrm>
+            <a:off x="359693" y="279838"/>
+            <a:ext cx="1155638" cy="650047"/>
+          </a:xfrm>
+          <a:prstGeom prst="rect">
+            <a:avLst/>
+          </a:prstGeom>
+          <a:ln>
+            <a:solidFill>
+              <a:schemeClr val="tx1"/>
+            </a:solidFill>
+          </a:ln>
+          <a:effectLst>
+            <a:softEdge rad="63500"/>
+          </a:effectLst>
         </p:spPr>
       </p:pic>
     </p:spTree>
@@ -6326,7 +6426,7 @@
       </p:sp>
       <p:pic>
         <p:nvPicPr>
-          <p:cNvPr id="12" name="Picture 11"/>
+          <p:cNvPr id="13" name="Picture 12"/>
           <p:cNvPicPr>
             <a:picLocks noChangeAspect="1"/>
           </p:cNvPicPr>
@@ -6346,12 +6446,50 @@
         </p:blipFill>
         <p:spPr>
           <a:xfrm>
-            <a:off x="7392760" y="-889322"/>
-            <a:ext cx="1964329" cy="2946492"/>
+            <a:off x="7134986" y="-244254"/>
+            <a:ext cx="2690275" cy="1793516"/>
           </a:xfrm>
           <a:prstGeom prst="rect">
             <a:avLst/>
           </a:prstGeom>
+        </p:spPr>
+      </p:pic>
+      <p:pic>
+        <p:nvPicPr>
+          <p:cNvPr id="12" name="Picture 11"/>
+          <p:cNvPicPr>
+            <a:picLocks noChangeAspect="1"/>
+          </p:cNvPicPr>
+          <p:nvPr/>
+        </p:nvPicPr>
+        <p:blipFill>
+          <a:blip r:embed="rId3">
+            <a:extLst>
+              <a:ext uri="{28A0092B-C50C-407E-A947-70E740481C1C}">
+                <a14:useLocalDpi xmlns:a14="http://schemas.microsoft.com/office/drawing/2010/main" val="0"/>
+              </a:ext>
+            </a:extLst>
+          </a:blip>
+          <a:stretch>
+            <a:fillRect/>
+          </a:stretch>
+        </p:blipFill>
+        <p:spPr>
+          <a:xfrm>
+            <a:off x="359693" y="279838"/>
+            <a:ext cx="1155638" cy="650047"/>
+          </a:xfrm>
+          <a:prstGeom prst="rect">
+            <a:avLst/>
+          </a:prstGeom>
+          <a:ln>
+            <a:solidFill>
+              <a:schemeClr val="tx1"/>
+            </a:solidFill>
+          </a:ln>
+          <a:effectLst>
+            <a:softEdge rad="63500"/>
+          </a:effectLst>
         </p:spPr>
       </p:pic>
     </p:spTree>
@@ -7110,7 +7248,7 @@
       </p:sp>
       <p:pic>
         <p:nvPicPr>
-          <p:cNvPr id="10" name="Picture 9"/>
+          <p:cNvPr id="11" name="Picture 10"/>
           <p:cNvPicPr>
             <a:picLocks noChangeAspect="1"/>
           </p:cNvPicPr>
@@ -7130,12 +7268,50 @@
         </p:blipFill>
         <p:spPr>
           <a:xfrm>
-            <a:off x="7392760" y="-889322"/>
-            <a:ext cx="1964329" cy="2946492"/>
+            <a:off x="7134986" y="-244254"/>
+            <a:ext cx="2690275" cy="1793516"/>
           </a:xfrm>
           <a:prstGeom prst="rect">
             <a:avLst/>
           </a:prstGeom>
+        </p:spPr>
+      </p:pic>
+      <p:pic>
+        <p:nvPicPr>
+          <p:cNvPr id="10" name="Picture 9"/>
+          <p:cNvPicPr>
+            <a:picLocks noChangeAspect="1"/>
+          </p:cNvPicPr>
+          <p:nvPr/>
+        </p:nvPicPr>
+        <p:blipFill>
+          <a:blip r:embed="rId3">
+            <a:extLst>
+              <a:ext uri="{28A0092B-C50C-407E-A947-70E740481C1C}">
+                <a14:useLocalDpi xmlns:a14="http://schemas.microsoft.com/office/drawing/2010/main" val="0"/>
+              </a:ext>
+            </a:extLst>
+          </a:blip>
+          <a:stretch>
+            <a:fillRect/>
+          </a:stretch>
+        </p:blipFill>
+        <p:spPr>
+          <a:xfrm>
+            <a:off x="359693" y="279838"/>
+            <a:ext cx="1155638" cy="650047"/>
+          </a:xfrm>
+          <a:prstGeom prst="rect">
+            <a:avLst/>
+          </a:prstGeom>
+          <a:ln>
+            <a:solidFill>
+              <a:schemeClr val="tx1"/>
+            </a:solidFill>
+          </a:ln>
+          <a:effectLst>
+            <a:softEdge rad="63500"/>
+          </a:effectLst>
         </p:spPr>
       </p:pic>
     </p:spTree>
@@ -7921,7 +8097,7 @@
       </p:sp>
       <p:pic>
         <p:nvPicPr>
-          <p:cNvPr id="12" name="Picture 11"/>
+          <p:cNvPr id="13" name="Picture 12"/>
           <p:cNvPicPr>
             <a:picLocks noChangeAspect="1"/>
           </p:cNvPicPr>
@@ -7941,12 +8117,50 @@
         </p:blipFill>
         <p:spPr>
           <a:xfrm>
-            <a:off x="7392760" y="-889322"/>
-            <a:ext cx="1964329" cy="2946492"/>
+            <a:off x="7134986" y="-244254"/>
+            <a:ext cx="2690275" cy="1793516"/>
           </a:xfrm>
           <a:prstGeom prst="rect">
             <a:avLst/>
           </a:prstGeom>
+        </p:spPr>
+      </p:pic>
+      <p:pic>
+        <p:nvPicPr>
+          <p:cNvPr id="12" name="Picture 11"/>
+          <p:cNvPicPr>
+            <a:picLocks noChangeAspect="1"/>
+          </p:cNvPicPr>
+          <p:nvPr/>
+        </p:nvPicPr>
+        <p:blipFill>
+          <a:blip r:embed="rId3">
+            <a:extLst>
+              <a:ext uri="{28A0092B-C50C-407E-A947-70E740481C1C}">
+                <a14:useLocalDpi xmlns:a14="http://schemas.microsoft.com/office/drawing/2010/main" val="0"/>
+              </a:ext>
+            </a:extLst>
+          </a:blip>
+          <a:stretch>
+            <a:fillRect/>
+          </a:stretch>
+        </p:blipFill>
+        <p:spPr>
+          <a:xfrm>
+            <a:off x="359693" y="279838"/>
+            <a:ext cx="1155638" cy="650047"/>
+          </a:xfrm>
+          <a:prstGeom prst="rect">
+            <a:avLst/>
+          </a:prstGeom>
+          <a:ln>
+            <a:solidFill>
+              <a:schemeClr val="tx1"/>
+            </a:solidFill>
+          </a:ln>
+          <a:effectLst>
+            <a:softEdge rad="63500"/>
+          </a:effectLst>
         </p:spPr>
       </p:pic>
     </p:spTree>
@@ -8347,7 +8561,7 @@
       </p:sp>
       <p:pic>
         <p:nvPicPr>
-          <p:cNvPr id="11" name="Picture 10"/>
+          <p:cNvPr id="12" name="Picture 11"/>
           <p:cNvPicPr>
             <a:picLocks noChangeAspect="1"/>
           </p:cNvPicPr>
@@ -8367,12 +8581,50 @@
         </p:blipFill>
         <p:spPr>
           <a:xfrm>
-            <a:off x="7392760" y="-889322"/>
-            <a:ext cx="1964329" cy="2946492"/>
+            <a:off x="7134986" y="-244254"/>
+            <a:ext cx="2690275" cy="1793516"/>
           </a:xfrm>
           <a:prstGeom prst="rect">
             <a:avLst/>
           </a:prstGeom>
+        </p:spPr>
+      </p:pic>
+      <p:pic>
+        <p:nvPicPr>
+          <p:cNvPr id="11" name="Picture 10"/>
+          <p:cNvPicPr>
+            <a:picLocks noChangeAspect="1"/>
+          </p:cNvPicPr>
+          <p:nvPr/>
+        </p:nvPicPr>
+        <p:blipFill>
+          <a:blip r:embed="rId3">
+            <a:extLst>
+              <a:ext uri="{28A0092B-C50C-407E-A947-70E740481C1C}">
+                <a14:useLocalDpi xmlns:a14="http://schemas.microsoft.com/office/drawing/2010/main" val="0"/>
+              </a:ext>
+            </a:extLst>
+          </a:blip>
+          <a:stretch>
+            <a:fillRect/>
+          </a:stretch>
+        </p:blipFill>
+        <p:spPr>
+          <a:xfrm>
+            <a:off x="359693" y="279838"/>
+            <a:ext cx="1155638" cy="650047"/>
+          </a:xfrm>
+          <a:prstGeom prst="rect">
+            <a:avLst/>
+          </a:prstGeom>
+          <a:ln>
+            <a:solidFill>
+              <a:schemeClr val="tx1"/>
+            </a:solidFill>
+          </a:ln>
+          <a:effectLst>
+            <a:softEdge rad="63500"/>
+          </a:effectLst>
         </p:spPr>
       </p:pic>
     </p:spTree>
@@ -9106,7 +9358,7 @@
       </p:sp>
       <p:pic>
         <p:nvPicPr>
-          <p:cNvPr id="12" name="Picture 11"/>
+          <p:cNvPr id="13" name="Picture 12"/>
           <p:cNvPicPr>
             <a:picLocks noChangeAspect="1"/>
           </p:cNvPicPr>
@@ -9126,12 +9378,50 @@
         </p:blipFill>
         <p:spPr>
           <a:xfrm>
-            <a:off x="7392760" y="-889322"/>
-            <a:ext cx="1964329" cy="2946492"/>
+            <a:off x="7134986" y="-244254"/>
+            <a:ext cx="2690275" cy="1793516"/>
           </a:xfrm>
           <a:prstGeom prst="rect">
             <a:avLst/>
           </a:prstGeom>
+        </p:spPr>
+      </p:pic>
+      <p:pic>
+        <p:nvPicPr>
+          <p:cNvPr id="12" name="Picture 11"/>
+          <p:cNvPicPr>
+            <a:picLocks noChangeAspect="1"/>
+          </p:cNvPicPr>
+          <p:nvPr/>
+        </p:nvPicPr>
+        <p:blipFill>
+          <a:blip r:embed="rId3">
+            <a:extLst>
+              <a:ext uri="{28A0092B-C50C-407E-A947-70E740481C1C}">
+                <a14:useLocalDpi xmlns:a14="http://schemas.microsoft.com/office/drawing/2010/main" val="0"/>
+              </a:ext>
+            </a:extLst>
+          </a:blip>
+          <a:stretch>
+            <a:fillRect/>
+          </a:stretch>
+        </p:blipFill>
+        <p:spPr>
+          <a:xfrm>
+            <a:off x="359693" y="279838"/>
+            <a:ext cx="1155638" cy="650047"/>
+          </a:xfrm>
+          <a:prstGeom prst="rect">
+            <a:avLst/>
+          </a:prstGeom>
+          <a:ln>
+            <a:solidFill>
+              <a:schemeClr val="tx1"/>
+            </a:solidFill>
+          </a:ln>
+          <a:effectLst>
+            <a:softEdge rad="63500"/>
+          </a:effectLst>
         </p:spPr>
       </p:pic>
     </p:spTree>
@@ -9691,7 +9981,7 @@
       </p:sp>
       <p:pic>
         <p:nvPicPr>
-          <p:cNvPr id="10" name="Picture 9"/>
+          <p:cNvPr id="11" name="Picture 10"/>
           <p:cNvPicPr>
             <a:picLocks noChangeAspect="1"/>
           </p:cNvPicPr>
@@ -9711,12 +10001,50 @@
         </p:blipFill>
         <p:spPr>
           <a:xfrm>
-            <a:off x="7392760" y="-889322"/>
-            <a:ext cx="1964329" cy="2946492"/>
+            <a:off x="7134986" y="-244254"/>
+            <a:ext cx="2690275" cy="1793516"/>
           </a:xfrm>
           <a:prstGeom prst="rect">
             <a:avLst/>
           </a:prstGeom>
+        </p:spPr>
+      </p:pic>
+      <p:pic>
+        <p:nvPicPr>
+          <p:cNvPr id="10" name="Picture 9"/>
+          <p:cNvPicPr>
+            <a:picLocks noChangeAspect="1"/>
+          </p:cNvPicPr>
+          <p:nvPr/>
+        </p:nvPicPr>
+        <p:blipFill>
+          <a:blip r:embed="rId3">
+            <a:extLst>
+              <a:ext uri="{28A0092B-C50C-407E-A947-70E740481C1C}">
+                <a14:useLocalDpi xmlns:a14="http://schemas.microsoft.com/office/drawing/2010/main" val="0"/>
+              </a:ext>
+            </a:extLst>
+          </a:blip>
+          <a:stretch>
+            <a:fillRect/>
+          </a:stretch>
+        </p:blipFill>
+        <p:spPr>
+          <a:xfrm>
+            <a:off x="359693" y="279838"/>
+            <a:ext cx="1155638" cy="650047"/>
+          </a:xfrm>
+          <a:prstGeom prst="rect">
+            <a:avLst/>
+          </a:prstGeom>
+          <a:ln>
+            <a:solidFill>
+              <a:schemeClr val="tx1"/>
+            </a:solidFill>
+          </a:ln>
+          <a:effectLst>
+            <a:softEdge rad="63500"/>
+          </a:effectLst>
         </p:spPr>
       </p:pic>
     </p:spTree>
@@ -10196,8 +10524,46 @@
         </p:blipFill>
         <p:spPr>
           <a:xfrm>
-            <a:off x="3170815" y="383723"/>
-            <a:ext cx="2792184" cy="4188277"/>
+            <a:off x="8085626" y="57234"/>
+            <a:ext cx="1023704" cy="575834"/>
+          </a:xfrm>
+          <a:prstGeom prst="rect">
+            <a:avLst/>
+          </a:prstGeom>
+          <a:ln>
+            <a:solidFill>
+              <a:schemeClr val="tx1"/>
+            </a:solidFill>
+          </a:ln>
+          <a:effectLst>
+            <a:softEdge rad="63500"/>
+          </a:effectLst>
+        </p:spPr>
+      </p:pic>
+      <p:pic>
+        <p:nvPicPr>
+          <p:cNvPr id="8" name="Picture 7"/>
+          <p:cNvPicPr>
+            <a:picLocks noChangeAspect="1"/>
+          </p:cNvPicPr>
+          <p:nvPr/>
+        </p:nvPicPr>
+        <p:blipFill>
+          <a:blip r:embed="rId3">
+            <a:extLst>
+              <a:ext uri="{28A0092B-C50C-407E-A947-70E740481C1C}">
+                <a14:useLocalDpi xmlns:a14="http://schemas.microsoft.com/office/drawing/2010/main" val="0"/>
+              </a:ext>
+            </a:extLst>
+          </a:blip>
+          <a:stretch>
+            <a:fillRect/>
+          </a:stretch>
+        </p:blipFill>
+        <p:spPr>
+          <a:xfrm>
+            <a:off x="1753285" y="730916"/>
+            <a:ext cx="5637430" cy="3758285"/>
           </a:xfrm>
           <a:prstGeom prst="rect">
             <a:avLst/>
@@ -10437,8 +10803,46 @@
         </p:blipFill>
         <p:spPr>
           <a:xfrm>
-            <a:off x="3170815" y="383723"/>
-            <a:ext cx="2792184" cy="4188277"/>
+            <a:off x="8085626" y="57234"/>
+            <a:ext cx="1023704" cy="575834"/>
+          </a:xfrm>
+          <a:prstGeom prst="rect">
+            <a:avLst/>
+          </a:prstGeom>
+          <a:ln>
+            <a:solidFill>
+              <a:schemeClr val="tx1"/>
+            </a:solidFill>
+          </a:ln>
+          <a:effectLst>
+            <a:softEdge rad="63500"/>
+          </a:effectLst>
+        </p:spPr>
+      </p:pic>
+      <p:pic>
+        <p:nvPicPr>
+          <p:cNvPr id="8" name="Picture 7"/>
+          <p:cNvPicPr>
+            <a:picLocks noChangeAspect="1"/>
+          </p:cNvPicPr>
+          <p:nvPr/>
+        </p:nvPicPr>
+        <p:blipFill>
+          <a:blip r:embed="rId3">
+            <a:extLst>
+              <a:ext uri="{28A0092B-C50C-407E-A947-70E740481C1C}">
+                <a14:useLocalDpi xmlns:a14="http://schemas.microsoft.com/office/drawing/2010/main" val="0"/>
+              </a:ext>
+            </a:extLst>
+          </a:blip>
+          <a:stretch>
+            <a:fillRect/>
+          </a:stretch>
+        </p:blipFill>
+        <p:spPr>
+          <a:xfrm>
+            <a:off x="1753284" y="735985"/>
+            <a:ext cx="5637430" cy="3758285"/>
           </a:xfrm>
           <a:prstGeom prst="rect">
             <a:avLst/>
@@ -10507,8 +10911,8 @@
         </p:blipFill>
         <p:spPr>
           <a:xfrm>
-            <a:off x="7392760" y="-889322"/>
-            <a:ext cx="1964329" cy="2946492"/>
+            <a:off x="7030125" y="-335164"/>
+            <a:ext cx="2690275" cy="1793516"/>
           </a:xfrm>
           <a:prstGeom prst="rect">
             <a:avLst/>
@@ -11136,8 +11540,46 @@
         </p:blipFill>
         <p:spPr>
           <a:xfrm>
-            <a:off x="3170815" y="292283"/>
-            <a:ext cx="2792184" cy="4188277"/>
+            <a:off x="8085626" y="57234"/>
+            <a:ext cx="1023704" cy="575834"/>
+          </a:xfrm>
+          <a:prstGeom prst="rect">
+            <a:avLst/>
+          </a:prstGeom>
+          <a:ln>
+            <a:solidFill>
+              <a:schemeClr val="tx1"/>
+            </a:solidFill>
+          </a:ln>
+          <a:effectLst>
+            <a:softEdge rad="63500"/>
+          </a:effectLst>
+        </p:spPr>
+      </p:pic>
+      <p:pic>
+        <p:nvPicPr>
+          <p:cNvPr id="8" name="Picture 7"/>
+          <p:cNvPicPr>
+            <a:picLocks noChangeAspect="1"/>
+          </p:cNvPicPr>
+          <p:nvPr/>
+        </p:nvPicPr>
+        <p:blipFill>
+          <a:blip r:embed="rId3">
+            <a:extLst>
+              <a:ext uri="{28A0092B-C50C-407E-A947-70E740481C1C}">
+                <a14:useLocalDpi xmlns:a14="http://schemas.microsoft.com/office/drawing/2010/main" val="0"/>
+              </a:ext>
+            </a:extLst>
+          </a:blip>
+          <a:stretch>
+            <a:fillRect/>
+          </a:stretch>
+        </p:blipFill>
+        <p:spPr>
+          <a:xfrm>
+            <a:off x="1753284" y="735985"/>
+            <a:ext cx="5637430" cy="3758285"/>
           </a:xfrm>
           <a:prstGeom prst="rect">
             <a:avLst/>
@@ -11900,7 +12342,7 @@
       </p:sp>
       <p:pic>
         <p:nvPicPr>
-          <p:cNvPr id="6" name="Picture 5"/>
+          <p:cNvPr id="7" name="Picture 6"/>
           <p:cNvPicPr>
             <a:picLocks noChangeAspect="1"/>
           </p:cNvPicPr>
@@ -11920,12 +12362,50 @@
         </p:blipFill>
         <p:spPr>
           <a:xfrm>
-            <a:off x="7392760" y="-889322"/>
-            <a:ext cx="1964329" cy="2946492"/>
+            <a:off x="7059487" y="-288295"/>
+            <a:ext cx="2690275" cy="1793516"/>
           </a:xfrm>
           <a:prstGeom prst="rect">
             <a:avLst/>
           </a:prstGeom>
+        </p:spPr>
+      </p:pic>
+      <p:pic>
+        <p:nvPicPr>
+          <p:cNvPr id="6" name="Picture 5"/>
+          <p:cNvPicPr>
+            <a:picLocks noChangeAspect="1"/>
+          </p:cNvPicPr>
+          <p:nvPr/>
+        </p:nvPicPr>
+        <p:blipFill>
+          <a:blip r:embed="rId3">
+            <a:extLst>
+              <a:ext uri="{28A0092B-C50C-407E-A947-70E740481C1C}">
+                <a14:useLocalDpi xmlns:a14="http://schemas.microsoft.com/office/drawing/2010/main" val="0"/>
+              </a:ext>
+            </a:extLst>
+          </a:blip>
+          <a:stretch>
+            <a:fillRect/>
+          </a:stretch>
+        </p:blipFill>
+        <p:spPr>
+          <a:xfrm>
+            <a:off x="359693" y="279838"/>
+            <a:ext cx="1155638" cy="650047"/>
+          </a:xfrm>
+          <a:prstGeom prst="rect">
+            <a:avLst/>
+          </a:prstGeom>
+          <a:ln>
+            <a:solidFill>
+              <a:schemeClr val="tx1"/>
+            </a:solidFill>
+          </a:ln>
+          <a:effectLst>
+            <a:softEdge rad="63500"/>
+          </a:effectLst>
         </p:spPr>
       </p:pic>
     </p:spTree>
@@ -12683,7 +13163,7 @@
       </p:sp>
       <p:pic>
         <p:nvPicPr>
-          <p:cNvPr id="7" name="Picture 6"/>
+          <p:cNvPr id="8" name="Picture 7"/>
           <p:cNvPicPr>
             <a:picLocks noChangeAspect="1"/>
           </p:cNvPicPr>
@@ -12703,12 +13183,50 @@
         </p:blipFill>
         <p:spPr>
           <a:xfrm>
-            <a:off x="7392760" y="-889322"/>
-            <a:ext cx="1964329" cy="2946492"/>
+            <a:off x="7093042" y="-297414"/>
+            <a:ext cx="2690275" cy="1793516"/>
           </a:xfrm>
           <a:prstGeom prst="rect">
             <a:avLst/>
           </a:prstGeom>
+        </p:spPr>
+      </p:pic>
+      <p:pic>
+        <p:nvPicPr>
+          <p:cNvPr id="7" name="Picture 6"/>
+          <p:cNvPicPr>
+            <a:picLocks noChangeAspect="1"/>
+          </p:cNvPicPr>
+          <p:nvPr/>
+        </p:nvPicPr>
+        <p:blipFill>
+          <a:blip r:embed="rId3">
+            <a:extLst>
+              <a:ext uri="{28A0092B-C50C-407E-A947-70E740481C1C}">
+                <a14:useLocalDpi xmlns:a14="http://schemas.microsoft.com/office/drawing/2010/main" val="0"/>
+              </a:ext>
+            </a:extLst>
+          </a:blip>
+          <a:stretch>
+            <a:fillRect/>
+          </a:stretch>
+        </p:blipFill>
+        <p:spPr>
+          <a:xfrm>
+            <a:off x="359693" y="279838"/>
+            <a:ext cx="1155638" cy="650047"/>
+          </a:xfrm>
+          <a:prstGeom prst="rect">
+            <a:avLst/>
+          </a:prstGeom>
+          <a:ln>
+            <a:solidFill>
+              <a:schemeClr val="tx1"/>
+            </a:solidFill>
+          </a:ln>
+          <a:effectLst>
+            <a:softEdge rad="63500"/>
+          </a:effectLst>
         </p:spPr>
       </p:pic>
     </p:spTree>
@@ -13922,7 +14440,7 @@
       </p:sp>
       <p:pic>
         <p:nvPicPr>
-          <p:cNvPr id="9" name="Picture 8"/>
+          <p:cNvPr id="10" name="Picture 9"/>
           <p:cNvPicPr>
             <a:picLocks noChangeAspect="1"/>
           </p:cNvPicPr>
@@ -13942,12 +14460,50 @@
         </p:blipFill>
         <p:spPr>
           <a:xfrm>
-            <a:off x="7392760" y="-889322"/>
-            <a:ext cx="1964329" cy="2946492"/>
+            <a:off x="7072070" y="-280635"/>
+            <a:ext cx="2690275" cy="1793516"/>
           </a:xfrm>
           <a:prstGeom prst="rect">
             <a:avLst/>
           </a:prstGeom>
+        </p:spPr>
+      </p:pic>
+      <p:pic>
+        <p:nvPicPr>
+          <p:cNvPr id="9" name="Picture 8"/>
+          <p:cNvPicPr>
+            <a:picLocks noChangeAspect="1"/>
+          </p:cNvPicPr>
+          <p:nvPr/>
+        </p:nvPicPr>
+        <p:blipFill>
+          <a:blip r:embed="rId3">
+            <a:extLst>
+              <a:ext uri="{28A0092B-C50C-407E-A947-70E740481C1C}">
+                <a14:useLocalDpi xmlns:a14="http://schemas.microsoft.com/office/drawing/2010/main" val="0"/>
+              </a:ext>
+            </a:extLst>
+          </a:blip>
+          <a:stretch>
+            <a:fillRect/>
+          </a:stretch>
+        </p:blipFill>
+        <p:spPr>
+          <a:xfrm>
+            <a:off x="359693" y="279838"/>
+            <a:ext cx="1155638" cy="650047"/>
+          </a:xfrm>
+          <a:prstGeom prst="rect">
+            <a:avLst/>
+          </a:prstGeom>
+          <a:ln>
+            <a:solidFill>
+              <a:schemeClr val="tx1"/>
+            </a:solidFill>
+          </a:ln>
+          <a:effectLst>
+            <a:softEdge rad="63500"/>
+          </a:effectLst>
         </p:spPr>
       </p:pic>
     </p:spTree>
@@ -14747,36 +15303,6 @@
           </a:p>
         </p:txBody>
       </p:sp>
-      <p:pic>
-        <p:nvPicPr>
-          <p:cNvPr id="13" name="Picture 12"/>
-          <p:cNvPicPr>
-            <a:picLocks noChangeAspect="1"/>
-          </p:cNvPicPr>
-          <p:nvPr/>
-        </p:nvPicPr>
-        <p:blipFill>
-          <a:blip r:embed="rId2">
-            <a:extLst>
-              <a:ext uri="{28A0092B-C50C-407E-A947-70E740481C1C}">
-                <a14:useLocalDpi xmlns:a14="http://schemas.microsoft.com/office/drawing/2010/main" val="0"/>
-              </a:ext>
-            </a:extLst>
-          </a:blip>
-          <a:stretch>
-            <a:fillRect/>
-          </a:stretch>
-        </p:blipFill>
-        <p:spPr>
-          <a:xfrm>
-            <a:off x="7392760" y="-889322"/>
-            <a:ext cx="1964329" cy="2946492"/>
-          </a:xfrm>
-          <a:prstGeom prst="rect">
-            <a:avLst/>
-          </a:prstGeom>
-        </p:spPr>
-      </p:pic>
       <p:sp>
         <p:nvSpPr>
           <p:cNvPr id="14" name="TextBox 13"/>
@@ -14824,6 +15350,74 @@
           </a:p>
         </p:txBody>
       </p:sp>
+      <p:pic>
+        <p:nvPicPr>
+          <p:cNvPr id="15" name="Picture 14"/>
+          <p:cNvPicPr>
+            <a:picLocks noChangeAspect="1"/>
+          </p:cNvPicPr>
+          <p:nvPr/>
+        </p:nvPicPr>
+        <p:blipFill>
+          <a:blip r:embed="rId2">
+            <a:extLst>
+              <a:ext uri="{28A0092B-C50C-407E-A947-70E740481C1C}">
+                <a14:useLocalDpi xmlns:a14="http://schemas.microsoft.com/office/drawing/2010/main" val="0"/>
+              </a:ext>
+            </a:extLst>
+          </a:blip>
+          <a:stretch>
+            <a:fillRect/>
+          </a:stretch>
+        </p:blipFill>
+        <p:spPr>
+          <a:xfrm>
+            <a:off x="7030125" y="-293915"/>
+            <a:ext cx="2690275" cy="1793516"/>
+          </a:xfrm>
+          <a:prstGeom prst="rect">
+            <a:avLst/>
+          </a:prstGeom>
+        </p:spPr>
+      </p:pic>
+      <p:pic>
+        <p:nvPicPr>
+          <p:cNvPr id="13" name="Picture 12"/>
+          <p:cNvPicPr>
+            <a:picLocks noChangeAspect="1"/>
+          </p:cNvPicPr>
+          <p:nvPr/>
+        </p:nvPicPr>
+        <p:blipFill>
+          <a:blip r:embed="rId3">
+            <a:extLst>
+              <a:ext uri="{28A0092B-C50C-407E-A947-70E740481C1C}">
+                <a14:useLocalDpi xmlns:a14="http://schemas.microsoft.com/office/drawing/2010/main" val="0"/>
+              </a:ext>
+            </a:extLst>
+          </a:blip>
+          <a:stretch>
+            <a:fillRect/>
+          </a:stretch>
+        </p:blipFill>
+        <p:spPr>
+          <a:xfrm>
+            <a:off x="359693" y="279838"/>
+            <a:ext cx="1155638" cy="650047"/>
+          </a:xfrm>
+          <a:prstGeom prst="rect">
+            <a:avLst/>
+          </a:prstGeom>
+          <a:ln>
+            <a:solidFill>
+              <a:schemeClr val="tx1"/>
+            </a:solidFill>
+          </a:ln>
+          <a:effectLst>
+            <a:softEdge rad="63500"/>
+          </a:effectLst>
+        </p:spPr>
+      </p:pic>
     </p:spTree>
   </p:cSld>
   <p:clrMapOvr>
@@ -16050,7 +16644,7 @@
       </p:sp>
       <p:pic>
         <p:nvPicPr>
-          <p:cNvPr id="9" name="Picture 8"/>
+          <p:cNvPr id="10" name="Picture 9"/>
           <p:cNvPicPr>
             <a:picLocks noChangeAspect="1"/>
           </p:cNvPicPr>
@@ -16070,12 +16664,50 @@
         </p:blipFill>
         <p:spPr>
           <a:xfrm>
-            <a:off x="7392760" y="-889322"/>
-            <a:ext cx="1964329" cy="2946492"/>
+            <a:off x="7067875" y="-259663"/>
+            <a:ext cx="2690275" cy="1793516"/>
           </a:xfrm>
           <a:prstGeom prst="rect">
             <a:avLst/>
           </a:prstGeom>
+        </p:spPr>
+      </p:pic>
+      <p:pic>
+        <p:nvPicPr>
+          <p:cNvPr id="9" name="Picture 8"/>
+          <p:cNvPicPr>
+            <a:picLocks noChangeAspect="1"/>
+          </p:cNvPicPr>
+          <p:nvPr/>
+        </p:nvPicPr>
+        <p:blipFill>
+          <a:blip r:embed="rId3">
+            <a:extLst>
+              <a:ext uri="{28A0092B-C50C-407E-A947-70E740481C1C}">
+                <a14:useLocalDpi xmlns:a14="http://schemas.microsoft.com/office/drawing/2010/main" val="0"/>
+              </a:ext>
+            </a:extLst>
+          </a:blip>
+          <a:stretch>
+            <a:fillRect/>
+          </a:stretch>
+        </p:blipFill>
+        <p:spPr>
+          <a:xfrm>
+            <a:off x="359693" y="279838"/>
+            <a:ext cx="1155638" cy="650047"/>
+          </a:xfrm>
+          <a:prstGeom prst="rect">
+            <a:avLst/>
+          </a:prstGeom>
+          <a:ln>
+            <a:solidFill>
+              <a:schemeClr val="tx1"/>
+            </a:solidFill>
+          </a:ln>
+          <a:effectLst>
+            <a:softEdge rad="63500"/>
+          </a:effectLst>
         </p:spPr>
       </p:pic>
     </p:spTree>
@@ -16326,7 +16958,7 @@
       </p:sp>
       <p:pic>
         <p:nvPicPr>
-          <p:cNvPr id="5" name="Picture 4"/>
+          <p:cNvPr id="6" name="Picture 5"/>
           <p:cNvPicPr>
             <a:picLocks noChangeAspect="1"/>
           </p:cNvPicPr>
@@ -16346,12 +16978,50 @@
         </p:blipFill>
         <p:spPr>
           <a:xfrm>
-            <a:off x="3190192" y="-825915"/>
-            <a:ext cx="2763612" cy="4145419"/>
+            <a:off x="2676735" y="34039"/>
+            <a:ext cx="3722914" cy="2481942"/>
           </a:xfrm>
           <a:prstGeom prst="rect">
             <a:avLst/>
           </a:prstGeom>
+        </p:spPr>
+      </p:pic>
+      <p:pic>
+        <p:nvPicPr>
+          <p:cNvPr id="5" name="Picture 4"/>
+          <p:cNvPicPr>
+            <a:picLocks noChangeAspect="1"/>
+          </p:cNvPicPr>
+          <p:nvPr/>
+        </p:nvPicPr>
+        <p:blipFill>
+          <a:blip r:embed="rId3">
+            <a:extLst>
+              <a:ext uri="{28A0092B-C50C-407E-A947-70E740481C1C}">
+                <a14:useLocalDpi xmlns:a14="http://schemas.microsoft.com/office/drawing/2010/main" val="0"/>
+              </a:ext>
+            </a:extLst>
+          </a:blip>
+          <a:stretch>
+            <a:fillRect/>
+          </a:stretch>
+        </p:blipFill>
+        <p:spPr>
+          <a:xfrm>
+            <a:off x="8085626" y="57234"/>
+            <a:ext cx="1023704" cy="575834"/>
+          </a:xfrm>
+          <a:prstGeom prst="rect">
+            <a:avLst/>
+          </a:prstGeom>
+          <a:ln>
+            <a:solidFill>
+              <a:schemeClr val="tx1"/>
+            </a:solidFill>
+          </a:ln>
+          <a:effectLst>
+            <a:softEdge rad="63500"/>
+          </a:effectLst>
         </p:spPr>
       </p:pic>
     </p:spTree>
@@ -17362,7 +18032,7 @@
       </p:sp>
       <p:pic>
         <p:nvPicPr>
-          <p:cNvPr id="13" name="Picture 12"/>
+          <p:cNvPr id="14" name="Picture 13"/>
           <p:cNvPicPr>
             <a:picLocks noChangeAspect="1"/>
           </p:cNvPicPr>
@@ -17382,12 +18052,50 @@
         </p:blipFill>
         <p:spPr>
           <a:xfrm>
-            <a:off x="7392760" y="-889322"/>
-            <a:ext cx="1964329" cy="2946492"/>
+            <a:off x="7134986" y="-244254"/>
+            <a:ext cx="2690275" cy="1793516"/>
           </a:xfrm>
           <a:prstGeom prst="rect">
             <a:avLst/>
           </a:prstGeom>
+        </p:spPr>
+      </p:pic>
+      <p:pic>
+        <p:nvPicPr>
+          <p:cNvPr id="13" name="Picture 12"/>
+          <p:cNvPicPr>
+            <a:picLocks noChangeAspect="1"/>
+          </p:cNvPicPr>
+          <p:nvPr/>
+        </p:nvPicPr>
+        <p:blipFill>
+          <a:blip r:embed="rId3">
+            <a:extLst>
+              <a:ext uri="{28A0092B-C50C-407E-A947-70E740481C1C}">
+                <a14:useLocalDpi xmlns:a14="http://schemas.microsoft.com/office/drawing/2010/main" val="0"/>
+              </a:ext>
+            </a:extLst>
+          </a:blip>
+          <a:stretch>
+            <a:fillRect/>
+          </a:stretch>
+        </p:blipFill>
+        <p:spPr>
+          <a:xfrm>
+            <a:off x="359693" y="279838"/>
+            <a:ext cx="1155638" cy="650047"/>
+          </a:xfrm>
+          <a:prstGeom prst="rect">
+            <a:avLst/>
+          </a:prstGeom>
+          <a:ln>
+            <a:solidFill>
+              <a:schemeClr val="tx1"/>
+            </a:solidFill>
+          </a:ln>
+          <a:effectLst>
+            <a:softEdge rad="63500"/>
+          </a:effectLst>
         </p:spPr>
       </p:pic>
     </p:spTree>

--- a/public/firststatement.pptx
+++ b/public/firststatement.pptx
@@ -6752,196 +6752,42 @@
               <a:t>۸. </a:t>
             </a:r>
             <a:r>
+              <a:rPr lang="fa-IR" sz="2400" dirty="0">
+                <a:latin typeface="Arabic Typesetting" panose="03020402040406030203" pitchFamily="66" charset="-78"/>
+                <a:cs typeface="Arabic Typesetting" panose="03020402040406030203" pitchFamily="66" charset="-78"/>
+              </a:rPr>
+              <a:t>محاکمه عادلانه ی تمامی کسانی که دستشان به خون آلوده شده و یا به اموال ملت دست درازی کرده </a:t>
+            </a:r>
+            <a:r>
+              <a:rPr lang="fa-IR" sz="2400" dirty="0" err="1">
+                <a:latin typeface="Arabic Typesetting" panose="03020402040406030203" pitchFamily="66" charset="-78"/>
+                <a:cs typeface="Arabic Typesetting" panose="03020402040406030203" pitchFamily="66" charset="-78"/>
+              </a:rPr>
+              <a:t>اند</a:t>
+            </a:r>
+            <a:r>
+              <a:rPr lang="fa-IR" sz="2400" dirty="0">
+                <a:latin typeface="Arabic Typesetting" panose="03020402040406030203" pitchFamily="66" charset="-78"/>
+                <a:cs typeface="Arabic Typesetting" panose="03020402040406030203" pitchFamily="66" charset="-78"/>
+              </a:rPr>
+              <a:t>؛ </a:t>
+            </a:r>
+            <a:r>
+              <a:rPr lang="fa-IR" sz="2400" dirty="0" smtClean="0">
+                <a:latin typeface="Arabic Typesetting" panose="03020402040406030203" pitchFamily="66" charset="-78"/>
+                <a:cs typeface="Arabic Typesetting" panose="03020402040406030203" pitchFamily="66" charset="-78"/>
+              </a:rPr>
+              <a:t>و </a:t>
+            </a:r>
+            <a:r>
               <a:rPr sz="2400" dirty="0" err="1" smtClean="0">
                 <a:latin typeface="Arabic Typesetting" panose="03020402040406030203" pitchFamily="66" charset="-78"/>
                 <a:cs typeface="Arabic Typesetting" panose="03020402040406030203" pitchFamily="66" charset="-78"/>
               </a:rPr>
-              <a:t>محاکمه</a:t>
+              <a:t>بازپس</a:t>
             </a:r>
             <a:r>
               <a:rPr sz="2400" dirty="0" smtClean="0">
-                <a:latin typeface="Arabic Typesetting" panose="03020402040406030203" pitchFamily="66" charset="-78"/>
-                <a:cs typeface="Arabic Typesetting" panose="03020402040406030203" pitchFamily="66" charset="-78"/>
-              </a:rPr>
-              <a:t> </a:t>
-            </a:r>
-            <a:r>
-              <a:rPr sz="2400" dirty="0" err="1">
-                <a:latin typeface="Arabic Typesetting" panose="03020402040406030203" pitchFamily="66" charset="-78"/>
-                <a:cs typeface="Arabic Typesetting" panose="03020402040406030203" pitchFamily="66" charset="-78"/>
-              </a:rPr>
-              <a:t>عادلانه</a:t>
-            </a:r>
-            <a:r>
-              <a:rPr sz="2400" dirty="0">
-                <a:latin typeface="Arabic Typesetting" panose="03020402040406030203" pitchFamily="66" charset="-78"/>
-                <a:cs typeface="Arabic Typesetting" panose="03020402040406030203" pitchFamily="66" charset="-78"/>
-              </a:rPr>
-              <a:t> ی </a:t>
-            </a:r>
-            <a:r>
-              <a:rPr sz="2400" dirty="0" err="1">
-                <a:latin typeface="Arabic Typesetting" panose="03020402040406030203" pitchFamily="66" charset="-78"/>
-                <a:cs typeface="Arabic Typesetting" panose="03020402040406030203" pitchFamily="66" charset="-78"/>
-              </a:rPr>
-              <a:t>تمامی</a:t>
-            </a:r>
-            <a:r>
-              <a:rPr sz="2400" dirty="0">
-                <a:latin typeface="Arabic Typesetting" panose="03020402040406030203" pitchFamily="66" charset="-78"/>
-                <a:cs typeface="Arabic Typesetting" panose="03020402040406030203" pitchFamily="66" charset="-78"/>
-              </a:rPr>
-              <a:t> </a:t>
-            </a:r>
-            <a:r>
-              <a:rPr sz="2400" dirty="0" err="1">
-                <a:latin typeface="Arabic Typesetting" panose="03020402040406030203" pitchFamily="66" charset="-78"/>
-                <a:cs typeface="Arabic Typesetting" panose="03020402040406030203" pitchFamily="66" charset="-78"/>
-              </a:rPr>
-              <a:t>کسانی</a:t>
-            </a:r>
-            <a:r>
-              <a:rPr sz="2400" dirty="0">
-                <a:latin typeface="Arabic Typesetting" panose="03020402040406030203" pitchFamily="66" charset="-78"/>
-                <a:cs typeface="Arabic Typesetting" panose="03020402040406030203" pitchFamily="66" charset="-78"/>
-              </a:rPr>
-              <a:t> </a:t>
-            </a:r>
-            <a:r>
-              <a:rPr sz="2400" dirty="0" err="1">
-                <a:latin typeface="Arabic Typesetting" panose="03020402040406030203" pitchFamily="66" charset="-78"/>
-                <a:cs typeface="Arabic Typesetting" panose="03020402040406030203" pitchFamily="66" charset="-78"/>
-              </a:rPr>
-              <a:t>که</a:t>
-            </a:r>
-            <a:r>
-              <a:rPr sz="2400" dirty="0">
-                <a:latin typeface="Arabic Typesetting" panose="03020402040406030203" pitchFamily="66" charset="-78"/>
-                <a:cs typeface="Arabic Typesetting" panose="03020402040406030203" pitchFamily="66" charset="-78"/>
-              </a:rPr>
-              <a:t> </a:t>
-            </a:r>
-            <a:r>
-              <a:rPr sz="2400" dirty="0" err="1">
-                <a:latin typeface="Arabic Typesetting" panose="03020402040406030203" pitchFamily="66" charset="-78"/>
-                <a:cs typeface="Arabic Typesetting" panose="03020402040406030203" pitchFamily="66" charset="-78"/>
-              </a:rPr>
-              <a:t>دست</a:t>
-            </a:r>
-            <a:r>
-              <a:rPr sz="2400" dirty="0">
-                <a:latin typeface="Arabic Typesetting" panose="03020402040406030203" pitchFamily="66" charset="-78"/>
-                <a:cs typeface="Arabic Typesetting" panose="03020402040406030203" pitchFamily="66" charset="-78"/>
-              </a:rPr>
-              <a:t> </a:t>
-            </a:r>
-            <a:r>
-              <a:rPr sz="2400" dirty="0" err="1">
-                <a:latin typeface="Arabic Typesetting" panose="03020402040406030203" pitchFamily="66" charset="-78"/>
-                <a:cs typeface="Arabic Typesetting" panose="03020402040406030203" pitchFamily="66" charset="-78"/>
-              </a:rPr>
-              <a:t>به</a:t>
-            </a:r>
-            <a:r>
-              <a:rPr sz="2400" dirty="0">
-                <a:latin typeface="Arabic Typesetting" panose="03020402040406030203" pitchFamily="66" charset="-78"/>
-                <a:cs typeface="Arabic Typesetting" panose="03020402040406030203" pitchFamily="66" charset="-78"/>
-              </a:rPr>
-              <a:t> </a:t>
-            </a:r>
-            <a:r>
-              <a:rPr sz="2400" dirty="0" err="1">
-                <a:latin typeface="Arabic Typesetting" panose="03020402040406030203" pitchFamily="66" charset="-78"/>
-                <a:cs typeface="Arabic Typesetting" panose="03020402040406030203" pitchFamily="66" charset="-78"/>
-              </a:rPr>
-              <a:t>خون</a:t>
-            </a:r>
-            <a:r>
-              <a:rPr sz="2400" dirty="0">
-                <a:latin typeface="Arabic Typesetting" panose="03020402040406030203" pitchFamily="66" charset="-78"/>
-                <a:cs typeface="Arabic Typesetting" panose="03020402040406030203" pitchFamily="66" charset="-78"/>
-              </a:rPr>
-              <a:t> و </a:t>
-            </a:r>
-            <a:r>
-              <a:rPr sz="2400" dirty="0" err="1">
-                <a:latin typeface="Arabic Typesetting" panose="03020402040406030203" pitchFamily="66" charset="-78"/>
-                <a:cs typeface="Arabic Typesetting" panose="03020402040406030203" pitchFamily="66" charset="-78"/>
-              </a:rPr>
-              <a:t>اموال</a:t>
-            </a:r>
-            <a:r>
-              <a:rPr sz="2400" dirty="0">
-                <a:latin typeface="Arabic Typesetting" panose="03020402040406030203" pitchFamily="66" charset="-78"/>
-                <a:cs typeface="Arabic Typesetting" panose="03020402040406030203" pitchFamily="66" charset="-78"/>
-              </a:rPr>
-              <a:t> </a:t>
-            </a:r>
-            <a:r>
-              <a:rPr sz="2400" dirty="0" err="1">
-                <a:latin typeface="Arabic Typesetting" panose="03020402040406030203" pitchFamily="66" charset="-78"/>
-                <a:cs typeface="Arabic Typesetting" panose="03020402040406030203" pitchFamily="66" charset="-78"/>
-              </a:rPr>
-              <a:t>ملت</a:t>
-            </a:r>
-            <a:r>
-              <a:rPr sz="2400" dirty="0">
-                <a:latin typeface="Arabic Typesetting" panose="03020402040406030203" pitchFamily="66" charset="-78"/>
-                <a:cs typeface="Arabic Typesetting" panose="03020402040406030203" pitchFamily="66" charset="-78"/>
-              </a:rPr>
-              <a:t> </a:t>
-            </a:r>
-            <a:r>
-              <a:rPr sz="2400" dirty="0" err="1">
-                <a:latin typeface="Arabic Typesetting" panose="03020402040406030203" pitchFamily="66" charset="-78"/>
-                <a:cs typeface="Arabic Typesetting" panose="03020402040406030203" pitchFamily="66" charset="-78"/>
-              </a:rPr>
-              <a:t>آلوده</a:t>
-            </a:r>
-            <a:r>
-              <a:rPr sz="2400" dirty="0">
-                <a:latin typeface="Arabic Typesetting" panose="03020402040406030203" pitchFamily="66" charset="-78"/>
-                <a:cs typeface="Arabic Typesetting" panose="03020402040406030203" pitchFamily="66" charset="-78"/>
-              </a:rPr>
-              <a:t> </a:t>
-            </a:r>
-            <a:r>
-              <a:rPr sz="2400" dirty="0" err="1">
-                <a:latin typeface="Arabic Typesetting" panose="03020402040406030203" pitchFamily="66" charset="-78"/>
-                <a:cs typeface="Arabic Typesetting" panose="03020402040406030203" pitchFamily="66" charset="-78"/>
-              </a:rPr>
-              <a:t>کرده</a:t>
-            </a:r>
-            <a:r>
-              <a:rPr sz="2400" dirty="0">
-                <a:latin typeface="Arabic Typesetting" panose="03020402040406030203" pitchFamily="66" charset="-78"/>
-                <a:cs typeface="Arabic Typesetting" panose="03020402040406030203" pitchFamily="66" charset="-78"/>
-              </a:rPr>
-              <a:t> </a:t>
-            </a:r>
-            <a:r>
-              <a:rPr sz="2400" dirty="0" err="1">
-                <a:latin typeface="Arabic Typesetting" panose="03020402040406030203" pitchFamily="66" charset="-78"/>
-                <a:cs typeface="Arabic Typesetting" panose="03020402040406030203" pitchFamily="66" charset="-78"/>
-              </a:rPr>
-              <a:t>اند</a:t>
-            </a:r>
-            <a:r>
-              <a:rPr sz="2400" dirty="0">
-                <a:latin typeface="Arabic Typesetting" panose="03020402040406030203" pitchFamily="66" charset="-78"/>
-                <a:cs typeface="Arabic Typesetting" panose="03020402040406030203" pitchFamily="66" charset="-78"/>
-              </a:rPr>
-              <a:t>؛ و </a:t>
-            </a:r>
-            <a:r>
-              <a:rPr sz="2400" dirty="0" err="1">
-                <a:latin typeface="Arabic Typesetting" panose="03020402040406030203" pitchFamily="66" charset="-78"/>
-                <a:cs typeface="Arabic Typesetting" panose="03020402040406030203" pitchFamily="66" charset="-78"/>
-              </a:rPr>
-              <a:t>بازپس</a:t>
-            </a:r>
-            <a:r>
-              <a:rPr sz="2400" dirty="0">
                 <a:latin typeface="Arabic Typesetting" panose="03020402040406030203" pitchFamily="66" charset="-78"/>
                 <a:cs typeface="Arabic Typesetting" panose="03020402040406030203" pitchFamily="66" charset="-78"/>
               </a:rPr>
@@ -9649,126 +9495,35 @@
               </a:defRPr>
             </a:pPr>
             <a:r>
-              <a:rPr sz="2400" dirty="0" err="1">
-                <a:latin typeface="Arabic Typesetting" panose="03020402040406030203" pitchFamily="66" charset="-78"/>
-                <a:cs typeface="Arabic Typesetting" panose="03020402040406030203" pitchFamily="66" charset="-78"/>
-              </a:rPr>
-              <a:t>تغییر</a:t>
-            </a:r>
-            <a:r>
-              <a:rPr sz="2400" dirty="0">
-                <a:latin typeface="Arabic Typesetting" panose="03020402040406030203" pitchFamily="66" charset="-78"/>
-                <a:cs typeface="Arabic Typesetting" panose="03020402040406030203" pitchFamily="66" charset="-78"/>
-              </a:rPr>
-              <a:t> </a:t>
-            </a:r>
-            <a:r>
-              <a:rPr sz="2400" dirty="0" err="1">
-                <a:latin typeface="Arabic Typesetting" panose="03020402040406030203" pitchFamily="66" charset="-78"/>
-                <a:cs typeface="Arabic Typesetting" panose="03020402040406030203" pitchFamily="66" charset="-78"/>
-              </a:rPr>
-              <a:t>اساسی</a:t>
-            </a:r>
-            <a:r>
-              <a:rPr sz="2400" dirty="0">
-                <a:latin typeface="Arabic Typesetting" panose="03020402040406030203" pitchFamily="66" charset="-78"/>
-                <a:cs typeface="Arabic Typesetting" panose="03020402040406030203" pitchFamily="66" charset="-78"/>
-              </a:rPr>
-              <a:t> و </a:t>
-            </a:r>
-            <a:r>
-              <a:rPr sz="2400" dirty="0" err="1">
-                <a:latin typeface="Arabic Typesetting" panose="03020402040406030203" pitchFamily="66" charset="-78"/>
-                <a:cs typeface="Arabic Typesetting" panose="03020402040406030203" pitchFamily="66" charset="-78"/>
-              </a:rPr>
-              <a:t>ساختاری</a:t>
-            </a:r>
-            <a:r>
-              <a:rPr sz="2400" dirty="0">
-                <a:latin typeface="Arabic Typesetting" panose="03020402040406030203" pitchFamily="66" charset="-78"/>
-                <a:cs typeface="Arabic Typesetting" panose="03020402040406030203" pitchFamily="66" charset="-78"/>
-              </a:rPr>
-              <a:t> </a:t>
-            </a:r>
-            <a:r>
-              <a:rPr sz="2400" dirty="0" err="1">
-                <a:latin typeface="Arabic Typesetting" panose="03020402040406030203" pitchFamily="66" charset="-78"/>
-                <a:cs typeface="Arabic Typesetting" panose="03020402040406030203" pitchFamily="66" charset="-78"/>
-              </a:rPr>
-              <a:t>سیستم</a:t>
-            </a:r>
-            <a:r>
-              <a:rPr sz="2400" dirty="0">
-                <a:latin typeface="Arabic Typesetting" panose="03020402040406030203" pitchFamily="66" charset="-78"/>
-                <a:cs typeface="Arabic Typesetting" panose="03020402040406030203" pitchFamily="66" charset="-78"/>
-              </a:rPr>
-              <a:t> </a:t>
-            </a:r>
-            <a:r>
-              <a:rPr sz="2400" dirty="0" err="1">
-                <a:latin typeface="Arabic Typesetting" panose="03020402040406030203" pitchFamily="66" charset="-78"/>
-                <a:cs typeface="Arabic Typesetting" panose="03020402040406030203" pitchFamily="66" charset="-78"/>
-              </a:rPr>
-              <a:t>آموزشی</a:t>
-            </a:r>
-            <a:r>
-              <a:rPr sz="2400" dirty="0">
-                <a:latin typeface="Arabic Typesetting" panose="03020402040406030203" pitchFamily="66" charset="-78"/>
-                <a:cs typeface="Arabic Typesetting" panose="03020402040406030203" pitchFamily="66" charset="-78"/>
-              </a:rPr>
-              <a:t> </a:t>
-            </a:r>
-            <a:r>
-              <a:rPr sz="2400" dirty="0" err="1">
-                <a:latin typeface="Arabic Typesetting" panose="03020402040406030203" pitchFamily="66" charset="-78"/>
-                <a:cs typeface="Arabic Typesetting" panose="03020402040406030203" pitchFamily="66" charset="-78"/>
-              </a:rPr>
-              <a:t>کشور</a:t>
-            </a:r>
-            <a:r>
-              <a:rPr sz="2400" dirty="0">
-                <a:latin typeface="Arabic Typesetting" panose="03020402040406030203" pitchFamily="66" charset="-78"/>
-                <a:cs typeface="Arabic Typesetting" panose="03020402040406030203" pitchFamily="66" charset="-78"/>
-              </a:rPr>
-              <a:t>؛ </a:t>
-            </a:r>
-            <a:r>
-              <a:rPr sz="2400" dirty="0" err="1">
-                <a:latin typeface="Arabic Typesetting" panose="03020402040406030203" pitchFamily="66" charset="-78"/>
-                <a:cs typeface="Arabic Typesetting" panose="03020402040406030203" pitchFamily="66" charset="-78"/>
-              </a:rPr>
-              <a:t>در</a:t>
-            </a:r>
-            <a:r>
-              <a:rPr sz="2400" dirty="0">
-                <a:latin typeface="Arabic Typesetting" panose="03020402040406030203" pitchFamily="66" charset="-78"/>
-                <a:cs typeface="Arabic Typesetting" panose="03020402040406030203" pitchFamily="66" charset="-78"/>
-              </a:rPr>
-              <a:t> </a:t>
-            </a:r>
-            <a:r>
-              <a:rPr sz="2400" dirty="0" err="1">
-                <a:latin typeface="Arabic Typesetting" panose="03020402040406030203" pitchFamily="66" charset="-78"/>
-                <a:cs typeface="Arabic Typesetting" panose="03020402040406030203" pitchFamily="66" charset="-78"/>
-              </a:rPr>
-              <a:t>راستای</a:t>
-            </a:r>
-            <a:r>
-              <a:rPr sz="2400" dirty="0">
-                <a:latin typeface="Arabic Typesetting" panose="03020402040406030203" pitchFamily="66" charset="-78"/>
-                <a:cs typeface="Arabic Typesetting" panose="03020402040406030203" pitchFamily="66" charset="-78"/>
-              </a:rPr>
-              <a:t> </a:t>
-            </a:r>
-            <a:r>
-              <a:rPr sz="2400" dirty="0" err="1">
+              <a:rPr lang="fa-IR" sz="2400" dirty="0">
+                <a:latin typeface="Arabic Typesetting" panose="03020402040406030203" pitchFamily="66" charset="-78"/>
+                <a:cs typeface="Arabic Typesetting" panose="03020402040406030203" pitchFamily="66" charset="-78"/>
+              </a:rPr>
+              <a:t>تغییر اساسی و ساختاری سیستم آموزشی کشور</a:t>
+            </a:r>
+            <a:r>
+              <a:rPr lang="fa-IR" sz="2400" dirty="0">
+                <a:latin typeface="Arabic Typesetting" panose="03020402040406030203" pitchFamily="66" charset="-78"/>
+                <a:cs typeface="Arabic Typesetting" panose="03020402040406030203" pitchFamily="66" charset="-78"/>
+              </a:rPr>
+              <a:t>؛ در راستای تقویت نهاد خانواده </a:t>
+            </a:r>
+            <a:r>
+              <a:rPr lang="fa-IR" sz="2400">
+                <a:latin typeface="Arabic Typesetting" panose="03020402040406030203" pitchFamily="66" charset="-78"/>
+                <a:cs typeface="Arabic Typesetting" panose="03020402040406030203" pitchFamily="66" charset="-78"/>
+              </a:rPr>
+              <a:t>و </a:t>
+            </a:r>
+            <a:r>
+              <a:rPr sz="2400" smtClean="0">
                 <a:latin typeface="Arabic Typesetting" panose="03020402040406030203" pitchFamily="66" charset="-78"/>
                 <a:cs typeface="Arabic Typesetting" panose="03020402040406030203" pitchFamily="66" charset="-78"/>
               </a:rPr>
               <a:t>گسترش</a:t>
             </a:r>
             <a:r>
-              <a:rPr sz="2400" dirty="0">
+              <a:rPr sz="2400" dirty="0" smtClean="0">
                 <a:latin typeface="Arabic Typesetting" panose="03020402040406030203" pitchFamily="66" charset="-78"/>
                 <a:cs typeface="Arabic Typesetting" panose="03020402040406030203" pitchFamily="66" charset="-78"/>
               </a:rPr>
